--- a/Presentations/First Pres.pptx
+++ b/Presentations/First Pres.pptx
@@ -7,11 +7,12 @@
   <p:sldIdLst>
     <p:sldId id="256" r:id="rId2"/>
     <p:sldId id="258" r:id="rId3"/>
-    <p:sldId id="259" r:id="rId4"/>
-    <p:sldId id="260" r:id="rId5"/>
-    <p:sldId id="261" r:id="rId6"/>
-    <p:sldId id="262" r:id="rId7"/>
-    <p:sldId id="263" r:id="rId8"/>
+    <p:sldId id="264" r:id="rId4"/>
+    <p:sldId id="265" r:id="rId5"/>
+    <p:sldId id="267" r:id="rId6"/>
+    <p:sldId id="266" r:id="rId7"/>
+    <p:sldId id="268" r:id="rId8"/>
+    <p:sldId id="263" r:id="rId9"/>
   </p:sldIdLst>
   <p:sldSz cx="9144000" cy="6858000" type="screen4x3"/>
   <p:notesSz cx="6858000" cy="9144000"/>
@@ -110,6 +111,22 @@
       </a:defRPr>
     </a:lvl9pPr>
   </p:defaultTextStyle>
+  <p:extLst>
+    <p:ext uri="{EFAFB233-063F-42B5-8137-9DF3F51BA10A}">
+      <p15:sldGuideLst xmlns:p15="http://schemas.microsoft.com/office/powerpoint/2012/main">
+        <p15:guide id="1" orient="horz" pos="2160">
+          <p15:clr>
+            <a:srgbClr val="A4A3A4"/>
+          </p15:clr>
+        </p15:guide>
+        <p15:guide id="2" pos="2880">
+          <p15:clr>
+            <a:srgbClr val="A4A3A4"/>
+          </p15:clr>
+        </p15:guide>
+      </p15:sldGuideLst>
+    </p:ext>
+  </p:extLst>
 </p:presentation>
 </file>
 
@@ -193,9 +210,7 @@
         </p:style>
         <p:txBody>
           <a:bodyPr anchor="ctr"/>
-          <a:lstStyle>
-            <a:extLst/>
-          </a:lstStyle>
+          <a:lstStyle/>
           <a:p>
             <a:pPr algn="ctr" eaLnBrk="1" latinLnBrk="0" hangingPunct="1"/>
             <a:endParaRPr kumimoji="0" lang="en-US"/>
@@ -248,10 +263,9 @@
           </a:lstStyle>
           <a:p>
             <a:r>
-              <a:rPr kumimoji="0" lang="en-US" smtClean="0"/>
+              <a:rPr kumimoji="0" lang="en-US"/>
               <a:t>Click to edit Master title style</a:t>
             </a:r>
-            <a:endParaRPr kumimoji="0" lang="en-US"/>
           </a:p>
         </p:txBody>
       </p:sp>
@@ -310,10 +324,9 @@
           </a:lstStyle>
           <a:p>
             <a:r>
-              <a:rPr kumimoji="0" lang="en-US" smtClean="0"/>
+              <a:rPr kumimoji="0" lang="en-US"/>
               <a:t>Click to edit Master subtitle style</a:t>
             </a:r>
-            <a:endParaRPr kumimoji="0" lang="en-US"/>
           </a:p>
         </p:txBody>
       </p:sp>
@@ -408,9 +421,7 @@
           </p:spPr>
           <p:txBody>
             <a:bodyPr vert="horz" wrap="square" lIns="91440" tIns="45720" rIns="91440" bIns="45720" anchor="t" compatLnSpc="1"/>
-            <a:lstStyle>
-              <a:extLst/>
-            </a:lstStyle>
+            <a:lstStyle/>
             <a:p>
               <a:endParaRPr kumimoji="0" lang="en-US"/>
             </a:p>
@@ -490,9 +501,7 @@
           </p:spPr>
           <p:txBody>
             <a:bodyPr vert="horz" wrap="square" lIns="91440" tIns="45720" rIns="91440" bIns="45720" anchor="t" compatLnSpc="1"/>
-            <a:lstStyle>
-              <a:extLst/>
-            </a:lstStyle>
+            <a:lstStyle/>
             <a:p>
               <a:endParaRPr kumimoji="0" lang="en-US"/>
             </a:p>
@@ -649,9 +658,7 @@
           </p:style>
           <p:txBody>
             <a:bodyPr vert="horz" wrap="square" lIns="91440" tIns="45720" rIns="91440" bIns="45720" anchor="ctr" compatLnSpc="1"/>
-            <a:lstStyle>
-              <a:extLst/>
-            </a:lstStyle>
+            <a:lstStyle/>
             <a:p>
               <a:pPr algn="ctr" eaLnBrk="1" latinLnBrk="0" hangingPunct="1"/>
               <a:endParaRPr kumimoji="0" lang="en-US"/>
@@ -738,7 +745,7 @@
           <a:p>
             <a:fld id="{34E2A383-966C-45EC-A435-AFD2DF6E3929}" type="datetimeFigureOut">
               <a:rPr lang="en-GB" smtClean="0"/>
-              <a:t>14/10/2016</a:t>
+              <a:t>18/10/2016</a:t>
             </a:fld>
             <a:endParaRPr lang="en-GB"/>
           </a:p>
@@ -844,15 +851,12 @@
         <p:spPr/>
         <p:txBody>
           <a:bodyPr/>
-          <a:lstStyle>
-            <a:extLst/>
-          </a:lstStyle>
-          <a:p>
-            <a:r>
-              <a:rPr kumimoji="0" lang="en-US" smtClean="0"/>
+          <a:lstStyle/>
+          <a:p>
+            <a:r>
+              <a:rPr kumimoji="0" lang="en-US"/>
               <a:t>Click to edit Master title style</a:t>
             </a:r>
-            <a:endParaRPr kumimoji="0" lang="en-US"/>
           </a:p>
         </p:txBody>
       </p:sp>
@@ -874,41 +878,39 @@
         </p:spPr>
         <p:txBody>
           <a:bodyPr vert="eaVert"/>
-          <a:lstStyle>
-            <a:extLst/>
-          </a:lstStyle>
+          <a:lstStyle/>
           <a:p>
             <a:pPr lvl="0" eaLnBrk="1" latinLnBrk="0" hangingPunct="1"/>
             <a:r>
-              <a:rPr lang="en-US" smtClean="0"/>
+              <a:rPr lang="en-US"/>
               <a:t>Click to edit Master text styles</a:t>
             </a:r>
           </a:p>
           <a:p>
             <a:pPr lvl="1" eaLnBrk="1" latinLnBrk="0" hangingPunct="1"/>
             <a:r>
-              <a:rPr lang="en-US" smtClean="0"/>
+              <a:rPr lang="en-US"/>
               <a:t>Second level</a:t>
             </a:r>
           </a:p>
           <a:p>
             <a:pPr lvl="2" eaLnBrk="1" latinLnBrk="0" hangingPunct="1"/>
             <a:r>
-              <a:rPr lang="en-US" smtClean="0"/>
+              <a:rPr lang="en-US"/>
               <a:t>Third level</a:t>
             </a:r>
           </a:p>
           <a:p>
             <a:pPr lvl="3" eaLnBrk="1" latinLnBrk="0" hangingPunct="1"/>
             <a:r>
-              <a:rPr lang="en-US" smtClean="0"/>
+              <a:rPr lang="en-US"/>
               <a:t>Fourth level</a:t>
             </a:r>
           </a:p>
           <a:p>
             <a:pPr lvl="4" eaLnBrk="1" latinLnBrk="0" hangingPunct="1"/>
             <a:r>
-              <a:rPr lang="en-US" smtClean="0"/>
+              <a:rPr lang="en-US"/>
               <a:t>Fifth level</a:t>
             </a:r>
             <a:endParaRPr kumimoji="0" lang="en-US"/>
@@ -928,13 +930,11 @@
         <p:spPr/>
         <p:txBody>
           <a:bodyPr/>
-          <a:lstStyle>
-            <a:extLst/>
-          </a:lstStyle>
+          <a:lstStyle/>
           <a:p>
             <a:fld id="{34E2A383-966C-45EC-A435-AFD2DF6E3929}" type="datetimeFigureOut">
               <a:rPr lang="en-GB" smtClean="0"/>
-              <a:t>14/10/2016</a:t>
+              <a:t>18/10/2016</a:t>
             </a:fld>
             <a:endParaRPr lang="en-GB"/>
           </a:p>
@@ -953,9 +953,7 @@
         <p:spPr/>
         <p:txBody>
           <a:bodyPr/>
-          <a:lstStyle>
-            <a:extLst/>
-          </a:lstStyle>
+          <a:lstStyle/>
           <a:p>
             <a:endParaRPr lang="en-GB"/>
           </a:p>
@@ -974,9 +972,7 @@
         <p:spPr/>
         <p:txBody>
           <a:bodyPr/>
-          <a:lstStyle>
-            <a:extLst/>
-          </a:lstStyle>
+          <a:lstStyle/>
           <a:p>
             <a:fld id="{AA23765E-D54E-4F48-85D1-C68B0342204D}" type="slidenum">
               <a:rPr lang="en-GB" smtClean="0"/>
@@ -1029,15 +1025,12 @@
         </p:spPr>
         <p:txBody>
           <a:bodyPr vert="eaVert"/>
-          <a:lstStyle>
-            <a:extLst/>
-          </a:lstStyle>
-          <a:p>
-            <a:r>
-              <a:rPr kumimoji="0" lang="en-US" smtClean="0"/>
+          <a:lstStyle/>
+          <a:p>
+            <a:r>
+              <a:rPr kumimoji="0" lang="en-US"/>
               <a:t>Click to edit Master title style</a:t>
             </a:r>
-            <a:endParaRPr kumimoji="0" lang="en-US"/>
           </a:p>
         </p:txBody>
       </p:sp>
@@ -1059,41 +1052,39 @@
         </p:spPr>
         <p:txBody>
           <a:bodyPr vert="eaVert"/>
-          <a:lstStyle>
-            <a:extLst/>
-          </a:lstStyle>
+          <a:lstStyle/>
           <a:p>
             <a:pPr lvl="0" eaLnBrk="1" latinLnBrk="0" hangingPunct="1"/>
             <a:r>
-              <a:rPr lang="en-US" smtClean="0"/>
+              <a:rPr lang="en-US"/>
               <a:t>Click to edit Master text styles</a:t>
             </a:r>
           </a:p>
           <a:p>
             <a:pPr lvl="1" eaLnBrk="1" latinLnBrk="0" hangingPunct="1"/>
             <a:r>
-              <a:rPr lang="en-US" smtClean="0"/>
+              <a:rPr lang="en-US"/>
               <a:t>Second level</a:t>
             </a:r>
           </a:p>
           <a:p>
             <a:pPr lvl="2" eaLnBrk="1" latinLnBrk="0" hangingPunct="1"/>
             <a:r>
-              <a:rPr lang="en-US" smtClean="0"/>
+              <a:rPr lang="en-US"/>
               <a:t>Third level</a:t>
             </a:r>
           </a:p>
           <a:p>
             <a:pPr lvl="3" eaLnBrk="1" latinLnBrk="0" hangingPunct="1"/>
             <a:r>
-              <a:rPr lang="en-US" smtClean="0"/>
+              <a:rPr lang="en-US"/>
               <a:t>Fourth level</a:t>
             </a:r>
           </a:p>
           <a:p>
             <a:pPr lvl="4" eaLnBrk="1" latinLnBrk="0" hangingPunct="1"/>
             <a:r>
-              <a:rPr lang="en-US" smtClean="0"/>
+              <a:rPr lang="en-US"/>
               <a:t>Fifth level</a:t>
             </a:r>
             <a:endParaRPr kumimoji="0" lang="en-US"/>
@@ -1113,13 +1104,11 @@
         <p:spPr/>
         <p:txBody>
           <a:bodyPr/>
-          <a:lstStyle>
-            <a:extLst/>
-          </a:lstStyle>
+          <a:lstStyle/>
           <a:p>
             <a:fld id="{34E2A383-966C-45EC-A435-AFD2DF6E3929}" type="datetimeFigureOut">
               <a:rPr lang="en-GB" smtClean="0"/>
-              <a:t>14/10/2016</a:t>
+              <a:t>18/10/2016</a:t>
             </a:fld>
             <a:endParaRPr lang="en-GB"/>
           </a:p>
@@ -1138,9 +1127,7 @@
         <p:spPr/>
         <p:txBody>
           <a:bodyPr/>
-          <a:lstStyle>
-            <a:extLst/>
-          </a:lstStyle>
+          <a:lstStyle/>
           <a:p>
             <a:endParaRPr lang="en-GB"/>
           </a:p>
@@ -1159,9 +1146,7 @@
         <p:spPr/>
         <p:txBody>
           <a:bodyPr/>
-          <a:lstStyle>
-            <a:extLst/>
-          </a:lstStyle>
+          <a:lstStyle/>
           <a:p>
             <a:fld id="{AA23765E-D54E-4F48-85D1-C68B0342204D}" type="slidenum">
               <a:rPr lang="en-GB" smtClean="0"/>
@@ -1209,41 +1194,39 @@
         <p:spPr/>
         <p:txBody>
           <a:bodyPr/>
-          <a:lstStyle>
-            <a:extLst/>
-          </a:lstStyle>
+          <a:lstStyle/>
           <a:p>
             <a:pPr lvl="0" eaLnBrk="1" latinLnBrk="0" hangingPunct="1"/>
             <a:r>
-              <a:rPr lang="en-US" smtClean="0"/>
+              <a:rPr lang="en-US"/>
               <a:t>Click to edit Master text styles</a:t>
             </a:r>
           </a:p>
           <a:p>
             <a:pPr lvl="1" eaLnBrk="1" latinLnBrk="0" hangingPunct="1"/>
             <a:r>
-              <a:rPr lang="en-US" smtClean="0"/>
+              <a:rPr lang="en-US"/>
               <a:t>Second level</a:t>
             </a:r>
           </a:p>
           <a:p>
             <a:pPr lvl="2" eaLnBrk="1" latinLnBrk="0" hangingPunct="1"/>
             <a:r>
-              <a:rPr lang="en-US" smtClean="0"/>
+              <a:rPr lang="en-US"/>
               <a:t>Third level</a:t>
             </a:r>
           </a:p>
           <a:p>
             <a:pPr lvl="3" eaLnBrk="1" latinLnBrk="0" hangingPunct="1"/>
             <a:r>
-              <a:rPr lang="en-US" smtClean="0"/>
+              <a:rPr lang="en-US"/>
               <a:t>Fourth level</a:t>
             </a:r>
           </a:p>
           <a:p>
             <a:pPr lvl="4" eaLnBrk="1" latinLnBrk="0" hangingPunct="1"/>
             <a:r>
-              <a:rPr lang="en-US" smtClean="0"/>
+              <a:rPr lang="en-US"/>
               <a:t>Fifth level</a:t>
             </a:r>
             <a:endParaRPr kumimoji="0" lang="en-US"/>
@@ -1263,13 +1246,11 @@
         <p:spPr/>
         <p:txBody>
           <a:bodyPr/>
-          <a:lstStyle>
-            <a:extLst/>
-          </a:lstStyle>
+          <a:lstStyle/>
           <a:p>
             <a:fld id="{34E2A383-966C-45EC-A435-AFD2DF6E3929}" type="datetimeFigureOut">
               <a:rPr lang="en-GB" smtClean="0"/>
-              <a:t>14/10/2016</a:t>
+              <a:t>18/10/2016</a:t>
             </a:fld>
             <a:endParaRPr lang="en-GB"/>
           </a:p>
@@ -1288,9 +1269,7 @@
         <p:spPr/>
         <p:txBody>
           <a:bodyPr/>
-          <a:lstStyle>
-            <a:extLst/>
-          </a:lstStyle>
+          <a:lstStyle/>
           <a:p>
             <a:endParaRPr lang="en-GB"/>
           </a:p>
@@ -1309,9 +1288,7 @@
         <p:spPr/>
         <p:txBody>
           <a:bodyPr/>
-          <a:lstStyle>
-            <a:extLst/>
-          </a:lstStyle>
+          <a:lstStyle/>
           <a:p>
             <a:fld id="{AA23765E-D54E-4F48-85D1-C68B0342204D}" type="slidenum">
               <a:rPr lang="en-GB" smtClean="0"/>
@@ -1334,15 +1311,12 @@
         <p:spPr/>
         <p:txBody>
           <a:bodyPr rtlCol="0"/>
-          <a:lstStyle>
-            <a:extLst/>
-          </a:lstStyle>
-          <a:p>
-            <a:r>
-              <a:rPr kumimoji="0" lang="en-US" smtClean="0"/>
+          <a:lstStyle/>
+          <a:p>
+            <a:r>
+              <a:rPr kumimoji="0" lang="en-US"/>
               <a:t>Click to edit Master title style</a:t>
             </a:r>
-            <a:endParaRPr kumimoji="0" lang="en-US"/>
           </a:p>
         </p:txBody>
       </p:sp>
@@ -1420,10 +1394,9 @@
           </a:lstStyle>
           <a:p>
             <a:r>
-              <a:rPr kumimoji="0" lang="en-US" smtClean="0"/>
+              <a:rPr kumimoji="0" lang="en-US"/>
               <a:t>Click to edit Master title style</a:t>
             </a:r>
-            <a:endParaRPr kumimoji="0" lang="en-US"/>
           </a:p>
         </p:txBody>
       </p:sp>
@@ -1499,7 +1472,7 @@
           <a:p>
             <a:pPr lvl="0" eaLnBrk="1" latinLnBrk="0" hangingPunct="1"/>
             <a:r>
-              <a:rPr kumimoji="0" lang="en-US" smtClean="0"/>
+              <a:rPr kumimoji="0" lang="en-US"/>
               <a:t>Click to edit Master text styles</a:t>
             </a:r>
           </a:p>
@@ -1518,13 +1491,11 @@
         <p:spPr/>
         <p:txBody>
           <a:bodyPr/>
-          <a:lstStyle>
-            <a:extLst/>
-          </a:lstStyle>
+          <a:lstStyle/>
           <a:p>
             <a:fld id="{34E2A383-966C-45EC-A435-AFD2DF6E3929}" type="datetimeFigureOut">
               <a:rPr lang="en-GB" smtClean="0"/>
-              <a:t>14/10/2016</a:t>
+              <a:t>18/10/2016</a:t>
             </a:fld>
             <a:endParaRPr lang="en-GB"/>
           </a:p>
@@ -1543,9 +1514,7 @@
         <p:spPr/>
         <p:txBody>
           <a:bodyPr/>
-          <a:lstStyle>
-            <a:extLst/>
-          </a:lstStyle>
+          <a:lstStyle/>
           <a:p>
             <a:endParaRPr lang="en-GB"/>
           </a:p>
@@ -1564,9 +1533,7 @@
         <p:spPr/>
         <p:txBody>
           <a:bodyPr/>
-          <a:lstStyle>
-            <a:extLst/>
-          </a:lstStyle>
+          <a:lstStyle/>
           <a:p>
             <a:fld id="{AA23765E-D54E-4F48-85D1-C68B0342204D}" type="slidenum">
               <a:rPr lang="en-GB" smtClean="0"/>
@@ -1647,9 +1614,7 @@
         </p:style>
         <p:txBody>
           <a:bodyPr anchor="ctr"/>
-          <a:lstStyle>
-            <a:extLst/>
-          </a:lstStyle>
+          <a:lstStyle/>
           <a:p>
             <a:pPr algn="l" eaLnBrk="1" latinLnBrk="0" hangingPunct="1"/>
             <a:endParaRPr kumimoji="0" lang="en-US"/>
@@ -1727,9 +1692,7 @@
         </p:style>
         <p:txBody>
           <a:bodyPr anchor="ctr"/>
-          <a:lstStyle>
-            <a:extLst/>
-          </a:lstStyle>
+          <a:lstStyle/>
           <a:p>
             <a:pPr algn="l" eaLnBrk="1" latinLnBrk="0" hangingPunct="1"/>
             <a:endParaRPr kumimoji="0" lang="en-US"/>
@@ -1805,35 +1768,35 @@
           <a:p>
             <a:pPr lvl="0" eaLnBrk="1" latinLnBrk="0" hangingPunct="1"/>
             <a:r>
-              <a:rPr lang="en-US" smtClean="0"/>
+              <a:rPr lang="en-US"/>
               <a:t>Click to edit Master text styles</a:t>
             </a:r>
           </a:p>
           <a:p>
             <a:pPr lvl="1" eaLnBrk="1" latinLnBrk="0" hangingPunct="1"/>
             <a:r>
-              <a:rPr lang="en-US" smtClean="0"/>
+              <a:rPr lang="en-US"/>
               <a:t>Second level</a:t>
             </a:r>
           </a:p>
           <a:p>
             <a:pPr lvl="2" eaLnBrk="1" latinLnBrk="0" hangingPunct="1"/>
             <a:r>
-              <a:rPr lang="en-US" smtClean="0"/>
+              <a:rPr lang="en-US"/>
               <a:t>Third level</a:t>
             </a:r>
           </a:p>
           <a:p>
             <a:pPr lvl="3" eaLnBrk="1" latinLnBrk="0" hangingPunct="1"/>
             <a:r>
-              <a:rPr lang="en-US" smtClean="0"/>
+              <a:rPr lang="en-US"/>
               <a:t>Fourth level</a:t>
             </a:r>
           </a:p>
           <a:p>
             <a:pPr lvl="4" eaLnBrk="1" latinLnBrk="0" hangingPunct="1"/>
             <a:r>
-              <a:rPr lang="en-US" smtClean="0"/>
+              <a:rPr lang="en-US"/>
               <a:t>Fifth level</a:t>
             </a:r>
             <a:endParaRPr kumimoji="0" lang="en-US"/>
@@ -1879,35 +1842,35 @@
           <a:p>
             <a:pPr lvl="0" eaLnBrk="1" latinLnBrk="0" hangingPunct="1"/>
             <a:r>
-              <a:rPr lang="en-US" smtClean="0"/>
+              <a:rPr lang="en-US"/>
               <a:t>Click to edit Master text styles</a:t>
             </a:r>
           </a:p>
           <a:p>
             <a:pPr lvl="1" eaLnBrk="1" latinLnBrk="0" hangingPunct="1"/>
             <a:r>
-              <a:rPr lang="en-US" smtClean="0"/>
+              <a:rPr lang="en-US"/>
               <a:t>Second level</a:t>
             </a:r>
           </a:p>
           <a:p>
             <a:pPr lvl="2" eaLnBrk="1" latinLnBrk="0" hangingPunct="1"/>
             <a:r>
-              <a:rPr lang="en-US" smtClean="0"/>
+              <a:rPr lang="en-US"/>
               <a:t>Third level</a:t>
             </a:r>
           </a:p>
           <a:p>
             <a:pPr lvl="3" eaLnBrk="1" latinLnBrk="0" hangingPunct="1"/>
             <a:r>
-              <a:rPr lang="en-US" smtClean="0"/>
+              <a:rPr lang="en-US"/>
               <a:t>Fourth level</a:t>
             </a:r>
           </a:p>
           <a:p>
             <a:pPr lvl="4" eaLnBrk="1" latinLnBrk="0" hangingPunct="1"/>
             <a:r>
-              <a:rPr lang="en-US" smtClean="0"/>
+              <a:rPr lang="en-US"/>
               <a:t>Fifth level</a:t>
             </a:r>
             <a:endParaRPr kumimoji="0" lang="en-US"/>
@@ -1927,13 +1890,11 @@
         <p:spPr/>
         <p:txBody>
           <a:bodyPr/>
-          <a:lstStyle>
-            <a:extLst/>
-          </a:lstStyle>
+          <a:lstStyle/>
           <a:p>
             <a:fld id="{34E2A383-966C-45EC-A435-AFD2DF6E3929}" type="datetimeFigureOut">
               <a:rPr lang="en-GB" smtClean="0"/>
-              <a:t>14/10/2016</a:t>
+              <a:t>18/10/2016</a:t>
             </a:fld>
             <a:endParaRPr lang="en-GB"/>
           </a:p>
@@ -1952,9 +1913,7 @@
         <p:spPr/>
         <p:txBody>
           <a:bodyPr/>
-          <a:lstStyle>
-            <a:extLst/>
-          </a:lstStyle>
+          <a:lstStyle/>
           <a:p>
             <a:endParaRPr lang="en-GB"/>
           </a:p>
@@ -1973,9 +1932,7 @@
         <p:spPr/>
         <p:txBody>
           <a:bodyPr/>
-          <a:lstStyle>
-            <a:extLst/>
-          </a:lstStyle>
+          <a:lstStyle/>
           <a:p>
             <a:fld id="{AA23765E-D54E-4F48-85D1-C68B0342204D}" type="slidenum">
               <a:rPr lang="en-GB" smtClean="0"/>
@@ -1998,15 +1955,12 @@
         <p:spPr/>
         <p:txBody>
           <a:bodyPr rtlCol="0"/>
-          <a:lstStyle>
-            <a:extLst/>
-          </a:lstStyle>
-          <a:p>
-            <a:r>
-              <a:rPr kumimoji="0" lang="en-US" smtClean="0"/>
+          <a:lstStyle/>
+          <a:p>
+            <a:r>
+              <a:rPr kumimoji="0" lang="en-US"/>
               <a:t>Click to edit Master title style</a:t>
             </a:r>
-            <a:endParaRPr kumimoji="0" lang="en-US"/>
           </a:p>
         </p:txBody>
       </p:sp>
@@ -2066,10 +2020,9 @@
           </a:lstStyle>
           <a:p>
             <a:r>
-              <a:rPr kumimoji="0" lang="en-US" smtClean="0"/>
+              <a:rPr kumimoji="0" lang="en-US"/>
               <a:t>Click to edit Master title style</a:t>
             </a:r>
-            <a:endParaRPr kumimoji="0" lang="en-US"/>
           </a:p>
         </p:txBody>
       </p:sp>
@@ -2130,7 +2083,7 @@
           <a:p>
             <a:pPr lvl="0" eaLnBrk="1" latinLnBrk="0" hangingPunct="1"/>
             <a:r>
-              <a:rPr kumimoji="0" lang="en-US" smtClean="0"/>
+              <a:rPr kumimoji="0" lang="en-US"/>
               <a:t>Click to edit Master text styles</a:t>
             </a:r>
           </a:p>
@@ -2193,7 +2146,7 @@
           <a:p>
             <a:pPr lvl="0" eaLnBrk="1" latinLnBrk="0" hangingPunct="1"/>
             <a:r>
-              <a:rPr kumimoji="0" lang="en-US" smtClean="0"/>
+              <a:rPr kumimoji="0" lang="en-US"/>
               <a:t>Click to edit Master text styles</a:t>
             </a:r>
           </a:p>
@@ -2243,35 +2196,35 @@
           <a:p>
             <a:pPr lvl="0" eaLnBrk="1" latinLnBrk="0" hangingPunct="1"/>
             <a:r>
-              <a:rPr lang="en-US" smtClean="0"/>
+              <a:rPr lang="en-US"/>
               <a:t>Click to edit Master text styles</a:t>
             </a:r>
           </a:p>
           <a:p>
             <a:pPr lvl="1" eaLnBrk="1" latinLnBrk="0" hangingPunct="1"/>
             <a:r>
-              <a:rPr lang="en-US" smtClean="0"/>
+              <a:rPr lang="en-US"/>
               <a:t>Second level</a:t>
             </a:r>
           </a:p>
           <a:p>
             <a:pPr lvl="2" eaLnBrk="1" latinLnBrk="0" hangingPunct="1"/>
             <a:r>
-              <a:rPr lang="en-US" smtClean="0"/>
+              <a:rPr lang="en-US"/>
               <a:t>Third level</a:t>
             </a:r>
           </a:p>
           <a:p>
             <a:pPr lvl="3" eaLnBrk="1" latinLnBrk="0" hangingPunct="1"/>
             <a:r>
-              <a:rPr lang="en-US" smtClean="0"/>
+              <a:rPr lang="en-US"/>
               <a:t>Fourth level</a:t>
             </a:r>
           </a:p>
           <a:p>
             <a:pPr lvl="4" eaLnBrk="1" latinLnBrk="0" hangingPunct="1"/>
             <a:r>
-              <a:rPr lang="en-US" smtClean="0"/>
+              <a:rPr lang="en-US"/>
               <a:t>Fifth level</a:t>
             </a:r>
             <a:endParaRPr kumimoji="0" lang="en-US"/>
@@ -2325,35 +2278,35 @@
           <a:p>
             <a:pPr lvl="0" eaLnBrk="1" latinLnBrk="0" hangingPunct="1"/>
             <a:r>
-              <a:rPr lang="en-US" smtClean="0"/>
+              <a:rPr lang="en-US"/>
               <a:t>Click to edit Master text styles</a:t>
             </a:r>
           </a:p>
           <a:p>
             <a:pPr lvl="1" eaLnBrk="1" latinLnBrk="0" hangingPunct="1"/>
             <a:r>
-              <a:rPr lang="en-US" smtClean="0"/>
+              <a:rPr lang="en-US"/>
               <a:t>Second level</a:t>
             </a:r>
           </a:p>
           <a:p>
             <a:pPr lvl="2" eaLnBrk="1" latinLnBrk="0" hangingPunct="1"/>
             <a:r>
-              <a:rPr lang="en-US" smtClean="0"/>
+              <a:rPr lang="en-US"/>
               <a:t>Third level</a:t>
             </a:r>
           </a:p>
           <a:p>
             <a:pPr lvl="3" eaLnBrk="1" latinLnBrk="0" hangingPunct="1"/>
             <a:r>
-              <a:rPr lang="en-US" smtClean="0"/>
+              <a:rPr lang="en-US"/>
               <a:t>Fourth level</a:t>
             </a:r>
           </a:p>
           <a:p>
             <a:pPr lvl="4" eaLnBrk="1" latinLnBrk="0" hangingPunct="1"/>
             <a:r>
-              <a:rPr lang="en-US" smtClean="0"/>
+              <a:rPr lang="en-US"/>
               <a:t>Fifth level</a:t>
             </a:r>
             <a:endParaRPr kumimoji="0" lang="en-US"/>
@@ -2373,13 +2326,11 @@
         <p:spPr/>
         <p:txBody>
           <a:bodyPr/>
-          <a:lstStyle>
-            <a:extLst/>
-          </a:lstStyle>
+          <a:lstStyle/>
           <a:p>
             <a:fld id="{34E2A383-966C-45EC-A435-AFD2DF6E3929}" type="datetimeFigureOut">
               <a:rPr lang="en-GB" smtClean="0"/>
-              <a:t>14/10/2016</a:t>
+              <a:t>18/10/2016</a:t>
             </a:fld>
             <a:endParaRPr lang="en-GB"/>
           </a:p>
@@ -2398,9 +2349,7 @@
         <p:spPr/>
         <p:txBody>
           <a:bodyPr/>
-          <a:lstStyle>
-            <a:extLst/>
-          </a:lstStyle>
+          <a:lstStyle/>
           <a:p>
             <a:endParaRPr lang="en-GB"/>
           </a:p>
@@ -2419,9 +2368,7 @@
         <p:spPr/>
         <p:txBody>
           <a:bodyPr/>
-          <a:lstStyle>
-            <a:extLst/>
-          </a:lstStyle>
+          <a:lstStyle/>
           <a:p>
             <a:fld id="{AA23765E-D54E-4F48-85D1-C68B0342204D}" type="slidenum">
               <a:rPr lang="en-GB" smtClean="0"/>
@@ -2474,13 +2421,11 @@
         <p:spPr/>
         <p:txBody>
           <a:bodyPr/>
-          <a:lstStyle>
-            <a:extLst/>
-          </a:lstStyle>
+          <a:lstStyle/>
           <a:p>
             <a:fld id="{34E2A383-966C-45EC-A435-AFD2DF6E3929}" type="datetimeFigureOut">
               <a:rPr lang="en-GB" smtClean="0"/>
-              <a:t>14/10/2016</a:t>
+              <a:t>18/10/2016</a:t>
             </a:fld>
             <a:endParaRPr lang="en-GB"/>
           </a:p>
@@ -2499,9 +2444,7 @@
         <p:spPr/>
         <p:txBody>
           <a:bodyPr/>
-          <a:lstStyle>
-            <a:extLst/>
-          </a:lstStyle>
+          <a:lstStyle/>
           <a:p>
             <a:endParaRPr lang="en-GB"/>
           </a:p>
@@ -2520,9 +2463,7 @@
         <p:spPr/>
         <p:txBody>
           <a:bodyPr/>
-          <a:lstStyle>
-            <a:extLst/>
-          </a:lstStyle>
+          <a:lstStyle/>
           <a:p>
             <a:fld id="{AA23765E-D54E-4F48-85D1-C68B0342204D}" type="slidenum">
               <a:rPr lang="en-GB" smtClean="0"/>
@@ -2545,15 +2486,12 @@
         <p:spPr/>
         <p:txBody>
           <a:bodyPr rtlCol="0"/>
-          <a:lstStyle>
-            <a:extLst/>
-          </a:lstStyle>
-          <a:p>
-            <a:r>
-              <a:rPr kumimoji="0" lang="en-US" smtClean="0"/>
+          <a:lstStyle/>
+          <a:p>
+            <a:r>
+              <a:rPr kumimoji="0" lang="en-US"/>
               <a:t>Click to edit Master title style</a:t>
             </a:r>
-            <a:endParaRPr kumimoji="0" lang="en-US"/>
           </a:p>
         </p:txBody>
       </p:sp>
@@ -2595,13 +2533,11 @@
         <p:spPr/>
         <p:txBody>
           <a:bodyPr/>
-          <a:lstStyle>
-            <a:extLst/>
-          </a:lstStyle>
+          <a:lstStyle/>
           <a:p>
             <a:fld id="{34E2A383-966C-45EC-A435-AFD2DF6E3929}" type="datetimeFigureOut">
               <a:rPr lang="en-GB" smtClean="0"/>
-              <a:t>14/10/2016</a:t>
+              <a:t>18/10/2016</a:t>
             </a:fld>
             <a:endParaRPr lang="en-GB"/>
           </a:p>
@@ -2620,9 +2556,7 @@
         <p:spPr/>
         <p:txBody>
           <a:bodyPr/>
-          <a:lstStyle>
-            <a:extLst/>
-          </a:lstStyle>
+          <a:lstStyle/>
           <a:p>
             <a:endParaRPr lang="en-GB"/>
           </a:p>
@@ -2641,9 +2575,7 @@
         <p:spPr/>
         <p:txBody>
           <a:bodyPr/>
-          <a:lstStyle>
-            <a:extLst/>
-          </a:lstStyle>
+          <a:lstStyle/>
           <a:p>
             <a:fld id="{AA23765E-D54E-4F48-85D1-C68B0342204D}" type="slidenum">
               <a:rPr lang="en-GB" smtClean="0"/>
@@ -2720,10 +2652,9 @@
           </a:lstStyle>
           <a:p>
             <a:r>
-              <a:rPr kumimoji="0" lang="en-US" smtClean="0"/>
+              <a:rPr kumimoji="0" lang="en-US"/>
               <a:t>Click to edit Master title style</a:t>
             </a:r>
-            <a:endParaRPr kumimoji="0" lang="en-US"/>
           </a:p>
         </p:txBody>
       </p:sp>
@@ -2771,7 +2702,7 @@
           <a:p>
             <a:pPr lvl="0" eaLnBrk="1" latinLnBrk="0" hangingPunct="1"/>
             <a:r>
-              <a:rPr kumimoji="0" lang="en-US" smtClean="0"/>
+              <a:rPr kumimoji="0" lang="en-US"/>
               <a:t>Click to edit Master text styles</a:t>
             </a:r>
           </a:p>
@@ -2816,35 +2747,35 @@
           <a:p>
             <a:pPr lvl="0" eaLnBrk="1" latinLnBrk="0" hangingPunct="1"/>
             <a:r>
-              <a:rPr lang="en-US" smtClean="0"/>
+              <a:rPr lang="en-US"/>
               <a:t>Click to edit Master text styles</a:t>
             </a:r>
           </a:p>
           <a:p>
             <a:pPr lvl="1" eaLnBrk="1" latinLnBrk="0" hangingPunct="1"/>
             <a:r>
-              <a:rPr lang="en-US" smtClean="0"/>
+              <a:rPr lang="en-US"/>
               <a:t>Second level</a:t>
             </a:r>
           </a:p>
           <a:p>
             <a:pPr lvl="2" eaLnBrk="1" latinLnBrk="0" hangingPunct="1"/>
             <a:r>
-              <a:rPr lang="en-US" smtClean="0"/>
+              <a:rPr lang="en-US"/>
               <a:t>Third level</a:t>
             </a:r>
           </a:p>
           <a:p>
             <a:pPr lvl="3" eaLnBrk="1" latinLnBrk="0" hangingPunct="1"/>
             <a:r>
-              <a:rPr lang="en-US" smtClean="0"/>
+              <a:rPr lang="en-US"/>
               <a:t>Fourth level</a:t>
             </a:r>
           </a:p>
           <a:p>
             <a:pPr lvl="4" eaLnBrk="1" latinLnBrk="0" hangingPunct="1"/>
             <a:r>
-              <a:rPr lang="en-US" smtClean="0"/>
+              <a:rPr lang="en-US"/>
               <a:t>Fifth level</a:t>
             </a:r>
             <a:endParaRPr kumimoji="0" lang="en-US"/>
@@ -2869,13 +2800,11 @@
         </p:spPr>
         <p:txBody>
           <a:bodyPr/>
-          <a:lstStyle>
-            <a:extLst/>
-          </a:lstStyle>
+          <a:lstStyle/>
           <a:p>
             <a:fld id="{34E2A383-966C-45EC-A435-AFD2DF6E3929}" type="datetimeFigureOut">
               <a:rPr lang="en-GB" smtClean="0"/>
-              <a:t>14/10/2016</a:t>
+              <a:t>18/10/2016</a:t>
             </a:fld>
             <a:endParaRPr lang="en-GB"/>
           </a:p>
@@ -2894,9 +2823,7 @@
         <p:spPr/>
         <p:txBody>
           <a:bodyPr/>
-          <a:lstStyle>
-            <a:extLst/>
-          </a:lstStyle>
+          <a:lstStyle/>
           <a:p>
             <a:endParaRPr lang="en-GB"/>
           </a:p>
@@ -2915,9 +2842,7 @@
         <p:spPr/>
         <p:txBody>
           <a:bodyPr/>
-          <a:lstStyle>
-            <a:extLst/>
-          </a:lstStyle>
+          <a:lstStyle/>
           <a:p>
             <a:fld id="{AA23765E-D54E-4F48-85D1-C68B0342204D}" type="slidenum">
               <a:rPr lang="en-GB" smtClean="0"/>
@@ -2998,7 +2923,7 @@
           <a:p>
             <a:pPr lvl="0" eaLnBrk="1" latinLnBrk="0" hangingPunct="1"/>
             <a:r>
-              <a:rPr kumimoji="0" lang="en-US" smtClean="0"/>
+              <a:rPr kumimoji="0" lang="en-US"/>
               <a:t>Click to edit Master text styles</a:t>
             </a:r>
           </a:p>
@@ -3047,7 +2972,7 @@
           </a:lstStyle>
           <a:p>
             <a:r>
-              <a:rPr kumimoji="0" lang="en-US" smtClean="0"/>
+              <a:rPr kumimoji="0" lang="en-US"/>
               <a:t>Click icon to add picture</a:t>
             </a:r>
             <a:endParaRPr kumimoji="0" lang="en-US" dirty="0"/>
@@ -3080,7 +3005,7 @@
           <a:p>
             <a:fld id="{34E2A383-966C-45EC-A435-AFD2DF6E3929}" type="datetimeFigureOut">
               <a:rPr lang="en-GB" smtClean="0"/>
-              <a:t>14/10/2016</a:t>
+              <a:t>18/10/2016</a:t>
             </a:fld>
             <a:endParaRPr lang="en-GB"/>
           </a:p>
@@ -3192,10 +3117,9 @@
           </a:lstStyle>
           <a:p>
             <a:r>
-              <a:rPr kumimoji="0" lang="en-US" smtClean="0"/>
+              <a:rPr kumimoji="0" lang="en-US"/>
               <a:t>Click to edit Master title style</a:t>
             </a:r>
-            <a:endParaRPr kumimoji="0" lang="en-US"/>
           </a:p>
         </p:txBody>
       </p:sp>
@@ -3275,9 +3199,7 @@
         </p:spPr>
         <p:txBody>
           <a:bodyPr vert="horz" wrap="square" lIns="91440" tIns="45720" rIns="91440" bIns="45720" anchor="t" compatLnSpc="1"/>
-          <a:lstStyle>
-            <a:extLst/>
-          </a:lstStyle>
+          <a:lstStyle/>
           <a:p>
             <a:endParaRPr kumimoji="0" lang="en-US"/>
           </a:p>
@@ -3357,9 +3279,7 @@
         </p:spPr>
         <p:txBody>
           <a:bodyPr vert="horz" wrap="square" lIns="91440" tIns="45720" rIns="91440" bIns="45720" anchor="t" compatLnSpc="1"/>
-          <a:lstStyle>
-            <a:extLst/>
-          </a:lstStyle>
+          <a:lstStyle/>
           <a:p>
             <a:endParaRPr kumimoji="0" lang="en-US"/>
           </a:p>
@@ -3467,9 +3387,7 @@
         </p:style>
         <p:txBody>
           <a:bodyPr vert="horz" wrap="square" lIns="91440" tIns="45720" rIns="91440" bIns="45720" anchor="ctr" compatLnSpc="1"/>
-          <a:lstStyle>
-            <a:extLst/>
-          </a:lstStyle>
+          <a:lstStyle/>
           <a:p>
             <a:pPr algn="ctr" eaLnBrk="1" latinLnBrk="0" hangingPunct="1"/>
             <a:endParaRPr kumimoji="0" lang="en-US"/>
@@ -3600,9 +3518,7 @@
         </p:style>
         <p:txBody>
           <a:bodyPr anchor="ctr"/>
-          <a:lstStyle>
-            <a:extLst/>
-          </a:lstStyle>
+          <a:lstStyle/>
           <a:p>
             <a:pPr algn="l" eaLnBrk="1" latinLnBrk="0" hangingPunct="1"/>
             <a:endParaRPr kumimoji="0" lang="en-US"/>
@@ -3680,9 +3596,7 @@
         </p:style>
         <p:txBody>
           <a:bodyPr anchor="ctr"/>
-          <a:lstStyle>
-            <a:extLst/>
-          </a:lstStyle>
+          <a:lstStyle/>
           <a:p>
             <a:pPr algn="l" eaLnBrk="1" latinLnBrk="0" hangingPunct="1"/>
             <a:endParaRPr kumimoji="0" lang="en-US"/>
@@ -3795,9 +3709,7 @@
         </p:spPr>
         <p:txBody>
           <a:bodyPr vert="horz" wrap="square" lIns="91440" tIns="45720" rIns="91440" bIns="45720" anchor="t" compatLnSpc="1"/>
-          <a:lstStyle>
-            <a:extLst/>
-          </a:lstStyle>
+          <a:lstStyle/>
           <a:p>
             <a:endParaRPr kumimoji="0" lang="en-US"/>
           </a:p>
@@ -3877,9 +3789,7 @@
         </p:spPr>
         <p:txBody>
           <a:bodyPr vert="horz" wrap="square" lIns="91440" tIns="45720" rIns="91440" bIns="45720" anchor="t" compatLnSpc="1"/>
-          <a:lstStyle>
-            <a:extLst/>
-          </a:lstStyle>
+          <a:lstStyle/>
           <a:p>
             <a:endParaRPr kumimoji="0" lang="en-US"/>
           </a:p>
@@ -3987,9 +3897,7 @@
         </p:style>
         <p:txBody>
           <a:bodyPr vert="horz" wrap="square" lIns="91440" tIns="45720" rIns="91440" bIns="45720" anchor="ctr" compatLnSpc="1"/>
-          <a:lstStyle>
-            <a:extLst/>
-          </a:lstStyle>
+          <a:lstStyle/>
           <a:p>
             <a:pPr algn="ctr" eaLnBrk="1" latinLnBrk="0" hangingPunct="1"/>
             <a:endParaRPr kumimoji="0" lang="en-US"/>
@@ -4079,15 +3987,12 @@
               <a:bevelT w="25400" h="25400"/>
             </a:sp3d>
           </a:bodyPr>
-          <a:lstStyle>
-            <a:extLst/>
-          </a:lstStyle>
-          <a:p>
-            <a:r>
-              <a:rPr kumimoji="0" lang="en-US" smtClean="0"/>
+          <a:lstStyle/>
+          <a:p>
+            <a:r>
+              <a:rPr kumimoji="0" lang="en-US"/>
               <a:t>Click to edit Master title style</a:t>
             </a:r>
-            <a:endParaRPr kumimoji="0" lang="en-US"/>
           </a:p>
         </p:txBody>
       </p:sp>
@@ -4114,44 +4019,41 @@
           <a:bodyPr vert="horz">
             <a:normAutofit/>
           </a:bodyPr>
-          <a:lstStyle>
-            <a:extLst/>
-          </a:lstStyle>
+          <a:lstStyle/>
           <a:p>
             <a:pPr lvl="0" eaLnBrk="1" latinLnBrk="0" hangingPunct="1"/>
             <a:r>
-              <a:rPr kumimoji="0" lang="en-US" smtClean="0"/>
+              <a:rPr kumimoji="0" lang="en-US"/>
               <a:t>Click to edit Master text styles</a:t>
             </a:r>
           </a:p>
           <a:p>
             <a:pPr lvl="1" eaLnBrk="1" latinLnBrk="0" hangingPunct="1"/>
             <a:r>
-              <a:rPr kumimoji="0" lang="en-US" smtClean="0"/>
+              <a:rPr kumimoji="0" lang="en-US"/>
               <a:t>Second level</a:t>
             </a:r>
           </a:p>
           <a:p>
             <a:pPr lvl="2" eaLnBrk="1" latinLnBrk="0" hangingPunct="1"/>
             <a:r>
-              <a:rPr kumimoji="0" lang="en-US" smtClean="0"/>
+              <a:rPr kumimoji="0" lang="en-US"/>
               <a:t>Third level</a:t>
             </a:r>
           </a:p>
           <a:p>
             <a:pPr lvl="3" eaLnBrk="1" latinLnBrk="0" hangingPunct="1"/>
             <a:r>
-              <a:rPr kumimoji="0" lang="en-US" smtClean="0"/>
+              <a:rPr kumimoji="0" lang="en-US"/>
               <a:t>Fourth level</a:t>
             </a:r>
           </a:p>
           <a:p>
             <a:pPr lvl="4" eaLnBrk="1" latinLnBrk="0" hangingPunct="1"/>
             <a:r>
-              <a:rPr kumimoji="0" lang="en-US" smtClean="0"/>
+              <a:rPr kumimoji="0" lang="en-US"/>
               <a:t>Fifth level</a:t>
             </a:r>
-            <a:endParaRPr kumimoji="0" lang="en-US"/>
           </a:p>
         </p:txBody>
       </p:sp>
@@ -4189,7 +4091,7 @@
           <a:p>
             <a:fld id="{34E2A383-966C-45EC-A435-AFD2DF6E3929}" type="datetimeFigureOut">
               <a:rPr lang="en-GB" smtClean="0"/>
-              <a:t>14/10/2016</a:t>
+              <a:t>18/10/2016</a:t>
             </a:fld>
             <a:endParaRPr lang="en-GB"/>
           </a:p>
@@ -4618,14 +4520,9 @@
           <a:p>
             <a:pPr algn="ctr"/>
             <a:r>
-              <a:rPr lang="en-GB" dirty="0" smtClean="0"/>
-              <a:t>Level 4/5 Group </a:t>
-            </a:r>
-            <a:r>
-              <a:rPr lang="en-GB" dirty="0" smtClean="0"/>
-              <a:t>16</a:t>
-            </a:r>
-            <a:endParaRPr lang="en-GB" dirty="0"/>
+              <a:rPr lang="en-GB" dirty="0"/>
+              <a:t>Level 4/5 Group 16</a:t>
+            </a:r>
           </a:p>
         </p:txBody>
       </p:sp>
@@ -4651,17 +4548,16 @@
           <a:p>
             <a:pPr algn="ctr"/>
             <a:r>
-              <a:rPr lang="en-GB" dirty="0" smtClean="0"/>
+              <a:rPr lang="en-GB" dirty="0"/>
               <a:t>John Dorman, Lewis Wilden, Guy Zawada and </a:t>
             </a:r>
           </a:p>
           <a:p>
             <a:pPr algn="ctr"/>
             <a:r>
-              <a:rPr lang="en-GB" dirty="0" smtClean="0"/>
+              <a:rPr lang="en-GB" dirty="0"/>
               <a:t>Roberto Mitrea.</a:t>
             </a:r>
-            <a:endParaRPr lang="en-GB" dirty="0"/>
           </a:p>
         </p:txBody>
       </p:sp>
@@ -4726,10 +4622,9 @@
           <a:p>
             <a:pPr algn="ctr"/>
             <a:r>
-              <a:rPr lang="en-GB" dirty="0" smtClean="0"/>
+              <a:rPr lang="en-GB" dirty="0"/>
               <a:t>Logline</a:t>
             </a:r>
-            <a:endParaRPr lang="en-GB" dirty="0"/>
           </a:p>
         </p:txBody>
       </p:sp>
@@ -4760,12 +4655,12 @@
       </p:grpSpPr>
       <p:sp>
         <p:nvSpPr>
-          <p:cNvPr id="2" name="Content Placeholder 1"/>
-          <p:cNvSpPr>
-            <a:spLocks noGrp="1"/>
-          </p:cNvSpPr>
-          <p:nvPr>
-            <p:ph idx="1"/>
+          <p:cNvPr id="3" name="Title 2"/>
+          <p:cNvSpPr>
+            <a:spLocks noGrp="1"/>
+          </p:cNvSpPr>
+          <p:nvPr>
+            <p:ph type="title"/>
           </p:nvPr>
         </p:nvSpPr>
         <p:spPr/>
@@ -4773,35 +4668,93 @@
           <a:bodyPr/>
           <a:lstStyle/>
           <a:p>
-            <a:endParaRPr lang="en-GB" dirty="0"/>
-          </a:p>
-        </p:txBody>
-      </p:sp>
-      <p:sp>
-        <p:nvSpPr>
-          <p:cNvPr id="3" name="Title 2"/>
-          <p:cNvSpPr>
-            <a:spLocks noGrp="1"/>
-          </p:cNvSpPr>
-          <p:nvPr>
-            <p:ph type="title"/>
-          </p:nvPr>
-        </p:nvSpPr>
-        <p:spPr/>
-        <p:txBody>
-          <a:bodyPr/>
-          <a:lstStyle/>
-          <a:p>
             <a:pPr algn="ctr"/>
             <a:r>
-              <a:rPr lang="en-GB" dirty="0" smtClean="0"/>
-              <a:t>Target Audience</a:t>
-            </a:r>
-            <a:endParaRPr lang="en-GB" dirty="0"/>
+              <a:rPr lang="en-GB" dirty="0"/>
+              <a:t>Emotions</a:t>
+            </a:r>
+          </a:p>
+        </p:txBody>
+      </p:sp>
+      <p:sp>
+        <p:nvSpPr>
+          <p:cNvPr id="5" name="TextBox 4"/>
+          <p:cNvSpPr txBox="1"/>
+          <p:nvPr/>
+        </p:nvSpPr>
+        <p:spPr>
+          <a:xfrm>
+            <a:off x="0" y="1232972"/>
+            <a:ext cx="9034846" cy="830997"/>
+          </a:xfrm>
+          <a:prstGeom prst="rect">
+            <a:avLst/>
+          </a:prstGeom>
+          <a:noFill/>
+        </p:spPr>
+        <p:txBody>
+          <a:bodyPr wrap="none" rtlCol="0">
+            <a:spAutoFit/>
+          </a:bodyPr>
+          <a:lstStyle/>
+          <a:p>
+            <a:r>
+              <a:rPr lang="en-GB" sz="2400" dirty="0">
+                <a:latin typeface="Adobe Devanagari" panose="02040503050201020203" pitchFamily="18" charset="0"/>
+                <a:cs typeface="Adobe Devanagari" panose="02040503050201020203" pitchFamily="18" charset="0"/>
+              </a:rPr>
+              <a:t>Onism: The frustration of being stuck in just one body that inhabits only one </a:t>
+            </a:r>
+          </a:p>
+          <a:p>
+            <a:r>
+              <a:rPr lang="en-GB" sz="2400" dirty="0">
+                <a:latin typeface="Adobe Devanagari" panose="02040503050201020203" pitchFamily="18" charset="0"/>
+                <a:cs typeface="Adobe Devanagari" panose="02040503050201020203" pitchFamily="18" charset="0"/>
+              </a:rPr>
+              <a:t>place at a time</a:t>
+            </a:r>
+          </a:p>
+        </p:txBody>
+      </p:sp>
+      <p:sp>
+        <p:nvSpPr>
+          <p:cNvPr id="6" name="TextBox 5"/>
+          <p:cNvSpPr txBox="1"/>
+          <p:nvPr/>
+        </p:nvSpPr>
+        <p:spPr>
+          <a:xfrm>
+            <a:off x="0" y="2636912"/>
+            <a:ext cx="7510389" cy="461665"/>
+          </a:xfrm>
+          <a:prstGeom prst="rect">
+            <a:avLst/>
+          </a:prstGeom>
+          <a:noFill/>
+        </p:spPr>
+        <p:txBody>
+          <a:bodyPr wrap="none" rtlCol="0">
+            <a:spAutoFit/>
+          </a:bodyPr>
+          <a:lstStyle/>
+          <a:p>
+            <a:r>
+              <a:rPr lang="en-GB" sz="2400" dirty="0">
+                <a:latin typeface="Adobe Devanagari" panose="02040503050201020203" pitchFamily="18" charset="0"/>
+                <a:cs typeface="Adobe Devanagari" panose="02040503050201020203" pitchFamily="18" charset="0"/>
+              </a:rPr>
+              <a:t>Occhiolism: The awareness of the smallness of your perspective.</a:t>
+            </a:r>
           </a:p>
         </p:txBody>
       </p:sp>
     </p:spTree>
+    <p:extLst>
+      <p:ext uri="{BB962C8B-B14F-4D97-AF65-F5344CB8AC3E}">
+        <p14:creationId xmlns:p14="http://schemas.microsoft.com/office/powerpoint/2010/main" val="4283638989"/>
+      </p:ext>
+    </p:extLst>
   </p:cSld>
   <p:clrMapOvr>
     <a:masterClrMapping/>
@@ -4838,38 +4791,92 @@
         </p:nvSpPr>
         <p:spPr/>
         <p:txBody>
+          <a:bodyPr>
+            <a:normAutofit/>
+          </a:bodyPr>
+          <a:lstStyle/>
+          <a:p>
+            <a:r>
+              <a:rPr lang="en-GB" sz="2400" dirty="0">
+                <a:latin typeface="Adobe Devanagari" panose="02040503050201020203" pitchFamily="18" charset="0"/>
+                <a:cs typeface="Adobe Devanagari" panose="02040503050201020203" pitchFamily="18" charset="0"/>
+              </a:rPr>
+              <a:t>2 Player controlled entities, but only able to control on at a time</a:t>
+            </a:r>
+          </a:p>
+          <a:p>
+            <a:endParaRPr lang="en-GB" sz="2400" dirty="0">
+              <a:latin typeface="Adobe Devanagari" panose="02040503050201020203" pitchFamily="18" charset="0"/>
+              <a:cs typeface="Adobe Devanagari" panose="02040503050201020203" pitchFamily="18" charset="0"/>
+            </a:endParaRPr>
+          </a:p>
+          <a:p>
+            <a:r>
+              <a:rPr lang="en-GB" sz="2400" dirty="0">
+                <a:latin typeface="Adobe Devanagari" panose="02040503050201020203" pitchFamily="18" charset="0"/>
+                <a:cs typeface="Adobe Devanagari" panose="02040503050201020203" pitchFamily="18" charset="0"/>
+              </a:rPr>
+              <a:t>Each entity has a small field of view</a:t>
+            </a:r>
+          </a:p>
+          <a:p>
+            <a:endParaRPr lang="en-GB" sz="2400" dirty="0">
+              <a:latin typeface="Adobe Devanagari" panose="02040503050201020203" pitchFamily="18" charset="0"/>
+              <a:cs typeface="Adobe Devanagari" panose="02040503050201020203" pitchFamily="18" charset="0"/>
+            </a:endParaRPr>
+          </a:p>
+          <a:p>
+            <a:r>
+              <a:rPr lang="en-GB" sz="2400" dirty="0">
+                <a:latin typeface="Adobe Devanagari" panose="02040503050201020203" pitchFamily="18" charset="0"/>
+                <a:cs typeface="Adobe Devanagari" panose="02040503050201020203" pitchFamily="18" charset="0"/>
+              </a:rPr>
+              <a:t>Must use both entities to complete puzzles</a:t>
+            </a:r>
+          </a:p>
+          <a:p>
+            <a:endParaRPr lang="en-GB" sz="2400" dirty="0">
+              <a:latin typeface="Adobe Devanagari" panose="02040503050201020203" pitchFamily="18" charset="0"/>
+              <a:cs typeface="Adobe Devanagari" panose="02040503050201020203" pitchFamily="18" charset="0"/>
+            </a:endParaRPr>
+          </a:p>
+          <a:p>
+            <a:endParaRPr lang="en-GB" sz="2400" dirty="0">
+              <a:latin typeface="Adobe Devanagari" panose="02040503050201020203" pitchFamily="18" charset="0"/>
+              <a:cs typeface="Adobe Devanagari" panose="02040503050201020203" pitchFamily="18" charset="0"/>
+            </a:endParaRPr>
+          </a:p>
+        </p:txBody>
+      </p:sp>
+      <p:sp>
+        <p:nvSpPr>
+          <p:cNvPr id="3" name="Title 2"/>
+          <p:cNvSpPr>
+            <a:spLocks noGrp="1"/>
+          </p:cNvSpPr>
+          <p:nvPr>
+            <p:ph type="title"/>
+          </p:nvPr>
+        </p:nvSpPr>
+        <p:spPr/>
+        <p:txBody>
           <a:bodyPr/>
           <a:lstStyle/>
           <a:p>
-            <a:endParaRPr lang="en-GB"/>
-          </a:p>
-        </p:txBody>
-      </p:sp>
-      <p:sp>
-        <p:nvSpPr>
-          <p:cNvPr id="3" name="Title 2"/>
-          <p:cNvSpPr>
-            <a:spLocks noGrp="1"/>
-          </p:cNvSpPr>
-          <p:nvPr>
-            <p:ph type="title"/>
-          </p:nvPr>
-        </p:nvSpPr>
-        <p:spPr/>
-        <p:txBody>
-          <a:bodyPr/>
-          <a:lstStyle/>
-          <a:p>
             <a:pPr algn="ctr"/>
             <a:r>
-              <a:rPr lang="en-GB" dirty="0" smtClean="0"/>
-              <a:t>Player Experience</a:t>
-            </a:r>
-            <a:endParaRPr lang="en-GB" dirty="0"/>
+              <a:rPr lang="en-GB" dirty="0"/>
+              <a:t>Emotion Evoking Mechanic </a:t>
+            </a:r>
           </a:p>
         </p:txBody>
       </p:sp>
     </p:spTree>
+    <p:extLst>
+      <p:ext uri="{BB962C8B-B14F-4D97-AF65-F5344CB8AC3E}">
+        <p14:creationId xmlns:p14="http://schemas.microsoft.com/office/powerpoint/2010/main" val="3673539322"/>
+      </p:ext>
+    </p:extLst>
   </p:cSld>
   <p:clrMapOvr>
     <a:masterClrMapping/>
@@ -4930,14 +4937,18 @@
           <a:p>
             <a:pPr algn="ctr"/>
             <a:r>
-              <a:rPr lang="en-GB" dirty="0" smtClean="0"/>
-              <a:t>Goal, Cause, Progress</a:t>
-            </a:r>
-            <a:endParaRPr lang="en-GB" dirty="0"/>
+              <a:rPr lang="en-GB" dirty="0"/>
+              <a:t>Target Market</a:t>
+            </a:r>
           </a:p>
         </p:txBody>
       </p:sp>
     </p:spTree>
+    <p:extLst>
+      <p:ext uri="{BB962C8B-B14F-4D97-AF65-F5344CB8AC3E}">
+        <p14:creationId xmlns:p14="http://schemas.microsoft.com/office/powerpoint/2010/main" val="1220128702"/>
+      </p:ext>
+    </p:extLst>
   </p:cSld>
   <p:clrMapOvr>
     <a:masterClrMapping/>
@@ -4974,38 +4985,77 @@
         </p:nvSpPr>
         <p:spPr/>
         <p:txBody>
+          <a:bodyPr>
+            <a:normAutofit/>
+          </a:bodyPr>
+          <a:lstStyle/>
+          <a:p>
+            <a:r>
+              <a:rPr lang="en-GB" sz="2400" dirty="0">
+                <a:latin typeface="Adobe Devanagari" panose="02040503050201020203" pitchFamily="18" charset="0"/>
+                <a:cs typeface="Adobe Devanagari" panose="02040503050201020203" pitchFamily="18" charset="0"/>
+              </a:rPr>
+              <a:t>Compete puzzles to progress through level</a:t>
+            </a:r>
+          </a:p>
+          <a:p>
+            <a:r>
+              <a:rPr lang="en-GB" sz="2400" dirty="0">
+                <a:latin typeface="Adobe Devanagari" panose="02040503050201020203" pitchFamily="18" charset="0"/>
+                <a:cs typeface="Adobe Devanagari" panose="02040503050201020203" pitchFamily="18" charset="0"/>
+              </a:rPr>
+              <a:t>Learn, Practise, Master loop</a:t>
+            </a:r>
+          </a:p>
+          <a:p>
+            <a:r>
+              <a:rPr lang="en-GB" sz="2400" dirty="0">
+                <a:latin typeface="Adobe Devanagari" panose="02040503050201020203" pitchFamily="18" charset="0"/>
+                <a:cs typeface="Adobe Devanagari" panose="02040503050201020203" pitchFamily="18" charset="0"/>
+              </a:rPr>
+              <a:t>Start with a simple lever to open door</a:t>
+            </a:r>
+          </a:p>
+          <a:p>
+            <a:r>
+              <a:rPr lang="en-GB" sz="2400" dirty="0">
+                <a:latin typeface="Adobe Devanagari" panose="02040503050201020203" pitchFamily="18" charset="0"/>
+                <a:cs typeface="Adobe Devanagari" panose="02040503050201020203" pitchFamily="18" charset="0"/>
+              </a:rPr>
+              <a:t>Progresses into perspective based levers (Levers and other items you can only see with a specific character)</a:t>
+            </a:r>
+          </a:p>
+        </p:txBody>
+      </p:sp>
+      <p:sp>
+        <p:nvSpPr>
+          <p:cNvPr id="3" name="Title 2"/>
+          <p:cNvSpPr>
+            <a:spLocks noGrp="1"/>
+          </p:cNvSpPr>
+          <p:nvPr>
+            <p:ph type="title"/>
+          </p:nvPr>
+        </p:nvSpPr>
+        <p:spPr/>
+        <p:txBody>
           <a:bodyPr/>
           <a:lstStyle/>
           <a:p>
-            <a:endParaRPr lang="en-GB"/>
-          </a:p>
-        </p:txBody>
-      </p:sp>
-      <p:sp>
-        <p:nvSpPr>
-          <p:cNvPr id="3" name="Title 2"/>
-          <p:cNvSpPr>
-            <a:spLocks noGrp="1"/>
-          </p:cNvSpPr>
-          <p:nvPr>
-            <p:ph type="title"/>
-          </p:nvPr>
-        </p:nvSpPr>
-        <p:spPr/>
-        <p:txBody>
-          <a:bodyPr/>
-          <a:lstStyle/>
-          <a:p>
             <a:pPr algn="ctr"/>
             <a:r>
-              <a:rPr lang="en-GB" dirty="0" smtClean="0"/>
-              <a:t>Art Style</a:t>
-            </a:r>
-            <a:endParaRPr lang="en-GB" dirty="0"/>
+              <a:rPr lang="en-GB" dirty="0"/>
+              <a:t>What the player does</a:t>
+            </a:r>
           </a:p>
         </p:txBody>
       </p:sp>
     </p:spTree>
+    <p:extLst>
+      <p:ext uri="{BB962C8B-B14F-4D97-AF65-F5344CB8AC3E}">
+        <p14:creationId xmlns:p14="http://schemas.microsoft.com/office/powerpoint/2010/main" val="4154403138"/>
+      </p:ext>
+    </p:extLst>
   </p:cSld>
   <p:clrMapOvr>
     <a:masterClrMapping/>
@@ -5042,9 +5092,136 @@
         </p:nvSpPr>
         <p:spPr/>
         <p:txBody>
+          <a:bodyPr>
+            <a:normAutofit/>
+          </a:bodyPr>
+          <a:lstStyle/>
+          <a:p>
+            <a:r>
+              <a:rPr lang="en-GB" sz="2400" dirty="0">
+                <a:latin typeface="Adobe Devanagari" panose="02040503050201020203" pitchFamily="18" charset="0"/>
+                <a:cs typeface="Adobe Devanagari" panose="02040503050201020203" pitchFamily="18" charset="0"/>
+              </a:rPr>
+              <a:t>5 Levels</a:t>
+            </a:r>
+          </a:p>
+          <a:p>
+            <a:r>
+              <a:rPr lang="en-GB" sz="2400" dirty="0">
+                <a:latin typeface="Adobe Devanagari" panose="02040503050201020203" pitchFamily="18" charset="0"/>
+                <a:cs typeface="Adobe Devanagari" panose="02040503050201020203" pitchFamily="18" charset="0"/>
+              </a:rPr>
+              <a:t>L1 learn base interaction</a:t>
+            </a:r>
+          </a:p>
+          <a:p>
+            <a:r>
+              <a:rPr lang="en-GB" sz="2400" dirty="0">
+                <a:latin typeface="Adobe Devanagari" panose="02040503050201020203" pitchFamily="18" charset="0"/>
+                <a:cs typeface="Adobe Devanagari" panose="02040503050201020203" pitchFamily="18" charset="0"/>
+              </a:rPr>
+              <a:t>L2-3 practise interaction starting to scale up</a:t>
+            </a:r>
+          </a:p>
+          <a:p>
+            <a:r>
+              <a:rPr lang="en-GB" sz="2400" dirty="0">
+                <a:latin typeface="Adobe Devanagari" panose="02040503050201020203" pitchFamily="18" charset="0"/>
+                <a:cs typeface="Adobe Devanagari" panose="02040503050201020203" pitchFamily="18" charset="0"/>
+              </a:rPr>
+              <a:t>L4-5 more challenging levels with complex ordering of </a:t>
+            </a:r>
+            <a:r>
+              <a:rPr lang="en-GB" sz="2400" dirty="0" err="1">
+                <a:latin typeface="Adobe Devanagari" panose="02040503050201020203" pitchFamily="18" charset="0"/>
+                <a:cs typeface="Adobe Devanagari" panose="02040503050201020203" pitchFamily="18" charset="0"/>
+              </a:rPr>
+              <a:t>interactables</a:t>
+            </a:r>
+            <a:r>
+              <a:rPr lang="en-GB" sz="2400" dirty="0">
+                <a:latin typeface="Adobe Devanagari" panose="02040503050201020203" pitchFamily="18" charset="0"/>
+                <a:cs typeface="Adobe Devanagari" panose="02040503050201020203" pitchFamily="18" charset="0"/>
+              </a:rPr>
+              <a:t>.</a:t>
+            </a:r>
+          </a:p>
+          <a:p>
+            <a:endParaRPr lang="en-GB" sz="2400" dirty="0">
+              <a:latin typeface="Adobe Devanagari" panose="02040503050201020203" pitchFamily="18" charset="0"/>
+              <a:cs typeface="Adobe Devanagari" panose="02040503050201020203" pitchFamily="18" charset="0"/>
+            </a:endParaRPr>
+          </a:p>
+        </p:txBody>
+      </p:sp>
+      <p:sp>
+        <p:nvSpPr>
+          <p:cNvPr id="3" name="Title 2"/>
+          <p:cNvSpPr>
+            <a:spLocks noGrp="1"/>
+          </p:cNvSpPr>
+          <p:nvPr>
+            <p:ph type="title"/>
+          </p:nvPr>
+        </p:nvSpPr>
+        <p:spPr/>
+        <p:txBody>
           <a:bodyPr/>
           <a:lstStyle/>
           <a:p>
+            <a:pPr algn="ctr"/>
+            <a:r>
+              <a:rPr lang="en-GB" dirty="0"/>
+              <a:t>Scope and Scale</a:t>
+            </a:r>
+          </a:p>
+        </p:txBody>
+      </p:sp>
+    </p:spTree>
+    <p:extLst>
+      <p:ext uri="{BB962C8B-B14F-4D97-AF65-F5344CB8AC3E}">
+        <p14:creationId xmlns:p14="http://schemas.microsoft.com/office/powerpoint/2010/main" val="2210266450"/>
+      </p:ext>
+    </p:extLst>
+  </p:cSld>
+  <p:clrMapOvr>
+    <a:masterClrMapping/>
+  </p:clrMapOvr>
+</p:sld>
+</file>
+
+<file path=ppt/slides/slide8.xml><?xml version="1.0" encoding="utf-8"?>
+<p:sld xmlns:a="http://schemas.openxmlformats.org/drawingml/2006/main" xmlns:r="http://schemas.openxmlformats.org/officeDocument/2006/relationships" xmlns:p="http://schemas.openxmlformats.org/presentationml/2006/main">
+  <p:cSld>
+    <p:spTree>
+      <p:nvGrpSpPr>
+        <p:cNvPr id="1" name=""/>
+        <p:cNvGrpSpPr/>
+        <p:nvPr/>
+      </p:nvGrpSpPr>
+      <p:grpSpPr>
+        <a:xfrm>
+          <a:off x="0" y="0"/>
+          <a:ext cx="0" cy="0"/>
+          <a:chOff x="0" y="0"/>
+          <a:chExt cx="0" cy="0"/>
+        </a:xfrm>
+      </p:grpSpPr>
+      <p:sp>
+        <p:nvSpPr>
+          <p:cNvPr id="2" name="Content Placeholder 1"/>
+          <p:cNvSpPr>
+            <a:spLocks noGrp="1"/>
+          </p:cNvSpPr>
+          <p:nvPr>
+            <p:ph idx="1"/>
+          </p:nvPr>
+        </p:nvSpPr>
+        <p:spPr/>
+        <p:txBody>
+          <a:bodyPr/>
+          <a:lstStyle/>
+          <a:p>
             <a:endParaRPr lang="en-GB" dirty="0"/>
           </a:p>
         </p:txBody>
@@ -5066,10 +5243,9 @@
           <a:p>
             <a:pPr algn="ctr"/>
             <a:r>
-              <a:rPr lang="en-GB" dirty="0" smtClean="0"/>
-              <a:t>Questions</a:t>
-            </a:r>
-            <a:endParaRPr lang="en-GB" dirty="0"/>
+              <a:rPr lang="en-GB" dirty="0"/>
+              <a:t>Questions?</a:t>
+            </a:r>
           </a:p>
         </p:txBody>
       </p:sp>

--- a/Presentations/First Pres.pptx
+++ b/Presentations/First Pres.pptx
@@ -7,11 +7,11 @@
   <p:sldIdLst>
     <p:sldId id="256" r:id="rId2"/>
     <p:sldId id="258" r:id="rId3"/>
-    <p:sldId id="264" r:id="rId4"/>
-    <p:sldId id="265" r:id="rId5"/>
-    <p:sldId id="267" r:id="rId6"/>
-    <p:sldId id="266" r:id="rId7"/>
-    <p:sldId id="268" r:id="rId8"/>
+    <p:sldId id="265" r:id="rId4"/>
+    <p:sldId id="267" r:id="rId5"/>
+    <p:sldId id="266" r:id="rId6"/>
+    <p:sldId id="268" r:id="rId7"/>
+    <p:sldId id="269" r:id="rId8"/>
     <p:sldId id="263" r:id="rId9"/>
   </p:sldIdLst>
   <p:sldSz cx="9144000" cy="6858000" type="screen4x3"/>
@@ -745,7 +745,7 @@
           <a:p>
             <a:fld id="{34E2A383-966C-45EC-A435-AFD2DF6E3929}" type="datetimeFigureOut">
               <a:rPr lang="en-GB" smtClean="0"/>
-              <a:t>18/10/2016</a:t>
+              <a:t>19/10/2016</a:t>
             </a:fld>
             <a:endParaRPr lang="en-GB"/>
           </a:p>
@@ -934,7 +934,7 @@
           <a:p>
             <a:fld id="{34E2A383-966C-45EC-A435-AFD2DF6E3929}" type="datetimeFigureOut">
               <a:rPr lang="en-GB" smtClean="0"/>
-              <a:t>18/10/2016</a:t>
+              <a:t>19/10/2016</a:t>
             </a:fld>
             <a:endParaRPr lang="en-GB"/>
           </a:p>
@@ -1108,7 +1108,7 @@
           <a:p>
             <a:fld id="{34E2A383-966C-45EC-A435-AFD2DF6E3929}" type="datetimeFigureOut">
               <a:rPr lang="en-GB" smtClean="0"/>
-              <a:t>18/10/2016</a:t>
+              <a:t>19/10/2016</a:t>
             </a:fld>
             <a:endParaRPr lang="en-GB"/>
           </a:p>
@@ -1250,7 +1250,7 @@
           <a:p>
             <a:fld id="{34E2A383-966C-45EC-A435-AFD2DF6E3929}" type="datetimeFigureOut">
               <a:rPr lang="en-GB" smtClean="0"/>
-              <a:t>18/10/2016</a:t>
+              <a:t>19/10/2016</a:t>
             </a:fld>
             <a:endParaRPr lang="en-GB"/>
           </a:p>
@@ -1495,7 +1495,7 @@
           <a:p>
             <a:fld id="{34E2A383-966C-45EC-A435-AFD2DF6E3929}" type="datetimeFigureOut">
               <a:rPr lang="en-GB" smtClean="0"/>
-              <a:t>18/10/2016</a:t>
+              <a:t>19/10/2016</a:t>
             </a:fld>
             <a:endParaRPr lang="en-GB"/>
           </a:p>
@@ -1894,7 +1894,7 @@
           <a:p>
             <a:fld id="{34E2A383-966C-45EC-A435-AFD2DF6E3929}" type="datetimeFigureOut">
               <a:rPr lang="en-GB" smtClean="0"/>
-              <a:t>18/10/2016</a:t>
+              <a:t>19/10/2016</a:t>
             </a:fld>
             <a:endParaRPr lang="en-GB"/>
           </a:p>
@@ -2330,7 +2330,7 @@
           <a:p>
             <a:fld id="{34E2A383-966C-45EC-A435-AFD2DF6E3929}" type="datetimeFigureOut">
               <a:rPr lang="en-GB" smtClean="0"/>
-              <a:t>18/10/2016</a:t>
+              <a:t>19/10/2016</a:t>
             </a:fld>
             <a:endParaRPr lang="en-GB"/>
           </a:p>
@@ -2425,7 +2425,7 @@
           <a:p>
             <a:fld id="{34E2A383-966C-45EC-A435-AFD2DF6E3929}" type="datetimeFigureOut">
               <a:rPr lang="en-GB" smtClean="0"/>
-              <a:t>18/10/2016</a:t>
+              <a:t>19/10/2016</a:t>
             </a:fld>
             <a:endParaRPr lang="en-GB"/>
           </a:p>
@@ -2537,7 +2537,7 @@
           <a:p>
             <a:fld id="{34E2A383-966C-45EC-A435-AFD2DF6E3929}" type="datetimeFigureOut">
               <a:rPr lang="en-GB" smtClean="0"/>
-              <a:t>18/10/2016</a:t>
+              <a:t>19/10/2016</a:t>
             </a:fld>
             <a:endParaRPr lang="en-GB"/>
           </a:p>
@@ -2804,7 +2804,7 @@
           <a:p>
             <a:fld id="{34E2A383-966C-45EC-A435-AFD2DF6E3929}" type="datetimeFigureOut">
               <a:rPr lang="en-GB" smtClean="0"/>
-              <a:t>18/10/2016</a:t>
+              <a:t>19/10/2016</a:t>
             </a:fld>
             <a:endParaRPr lang="en-GB"/>
           </a:p>
@@ -3005,7 +3005,7 @@
           <a:p>
             <a:fld id="{34E2A383-966C-45EC-A435-AFD2DF6E3929}" type="datetimeFigureOut">
               <a:rPr lang="en-GB" smtClean="0"/>
-              <a:t>18/10/2016</a:t>
+              <a:t>19/10/2016</a:t>
             </a:fld>
             <a:endParaRPr lang="en-GB"/>
           </a:p>
@@ -4091,7 +4091,7 @@
           <a:p>
             <a:fld id="{34E2A383-966C-45EC-A435-AFD2DF6E3929}" type="datetimeFigureOut">
               <a:rPr lang="en-GB" smtClean="0"/>
-              <a:t>18/10/2016</a:t>
+              <a:t>19/10/2016</a:t>
             </a:fld>
             <a:endParaRPr lang="en-GB"/>
           </a:p>
@@ -4598,33 +4598,79 @@
         </p:nvSpPr>
         <p:spPr/>
         <p:txBody>
+          <a:bodyPr>
+            <a:normAutofit/>
+          </a:bodyPr>
+          <a:lstStyle/>
+          <a:p>
+            <a:r>
+              <a:rPr lang="en-GB" sz="2400" dirty="0" smtClean="0">
+                <a:latin typeface="Adobe Devanagari" panose="02040503050201020203" pitchFamily="18" charset="0"/>
+                <a:cs typeface="Adobe Devanagari" panose="02040503050201020203" pitchFamily="18" charset="0"/>
+              </a:rPr>
+              <a:t>Onism</a:t>
+            </a:r>
+          </a:p>
+          <a:p>
+            <a:r>
+              <a:rPr lang="en-GB" sz="2400" dirty="0" smtClean="0">
+                <a:latin typeface="Adobe Devanagari" panose="02040503050201020203" pitchFamily="18" charset="0"/>
+                <a:cs typeface="Adobe Devanagari" panose="02040503050201020203" pitchFamily="18" charset="0"/>
+              </a:rPr>
+              <a:t>Occhiolism</a:t>
+            </a:r>
+          </a:p>
+          <a:p>
+            <a:r>
+              <a:rPr lang="en-GB" sz="2400" dirty="0" smtClean="0">
+                <a:latin typeface="Adobe Devanagari" panose="02040503050201020203" pitchFamily="18" charset="0"/>
+                <a:cs typeface="Adobe Devanagari" panose="02040503050201020203" pitchFamily="18" charset="0"/>
+              </a:rPr>
+              <a:t>Puzzle solving game</a:t>
+            </a:r>
+          </a:p>
+          <a:p>
+            <a:r>
+              <a:rPr lang="en-GB" sz="2400" dirty="0" smtClean="0">
+                <a:latin typeface="Adobe Devanagari" panose="02040503050201020203" pitchFamily="18" charset="0"/>
+                <a:cs typeface="Adobe Devanagari" panose="02040503050201020203" pitchFamily="18" charset="0"/>
+              </a:rPr>
+              <a:t>Player must switch between two characters to complete puzzles</a:t>
+            </a:r>
+          </a:p>
+          <a:p>
+            <a:r>
+              <a:rPr lang="en-GB" sz="2400" dirty="0" smtClean="0">
+                <a:latin typeface="Adobe Devanagari" panose="02040503050201020203" pitchFamily="18" charset="0"/>
+                <a:cs typeface="Adobe Devanagari" panose="02040503050201020203" pitchFamily="18" charset="0"/>
+              </a:rPr>
+              <a:t>Win condition: Complete all puzzles</a:t>
+            </a:r>
+            <a:endParaRPr lang="en-GB" sz="2400" dirty="0"/>
+          </a:p>
+        </p:txBody>
+      </p:sp>
+      <p:sp>
+        <p:nvSpPr>
+          <p:cNvPr id="3" name="Title 2"/>
+          <p:cNvSpPr>
+            <a:spLocks noGrp="1"/>
+          </p:cNvSpPr>
+          <p:nvPr>
+            <p:ph type="title"/>
+          </p:nvPr>
+        </p:nvSpPr>
+        <p:spPr/>
+        <p:txBody>
           <a:bodyPr/>
           <a:lstStyle/>
           <a:p>
+            <a:pPr algn="ctr"/>
+            <a:r>
+              <a:rPr lang="en-GB" dirty="0" smtClean="0"/>
+              <a:t>Concept Outline</a:t>
+            </a:r>
             <a:endParaRPr lang="en-GB" dirty="0"/>
-          </a:p>
-        </p:txBody>
-      </p:sp>
-      <p:sp>
-        <p:nvSpPr>
-          <p:cNvPr id="3" name="Title 2"/>
-          <p:cNvSpPr>
-            <a:spLocks noGrp="1"/>
-          </p:cNvSpPr>
-          <p:nvPr>
-            <p:ph type="title"/>
-          </p:nvPr>
-        </p:nvSpPr>
-        <p:spPr/>
-        <p:txBody>
-          <a:bodyPr/>
-          <a:lstStyle/>
-          <a:p>
-            <a:pPr algn="ctr"/>
-            <a:r>
-              <a:rPr lang="en-GB" dirty="0"/>
-              <a:t>Logline</a:t>
-            </a:r>
           </a:p>
         </p:txBody>
       </p:sp>
@@ -4655,46 +4701,18 @@
       </p:grpSpPr>
       <p:sp>
         <p:nvSpPr>
-          <p:cNvPr id="3" name="Title 2"/>
-          <p:cNvSpPr>
-            <a:spLocks noGrp="1"/>
-          </p:cNvSpPr>
-          <p:nvPr>
-            <p:ph type="title"/>
+          <p:cNvPr id="2" name="Content Placeholder 1"/>
+          <p:cNvSpPr>
+            <a:spLocks noGrp="1"/>
+          </p:cNvSpPr>
+          <p:nvPr>
+            <p:ph idx="1"/>
           </p:nvPr>
         </p:nvSpPr>
         <p:spPr/>
         <p:txBody>
-          <a:bodyPr/>
-          <a:lstStyle/>
-          <a:p>
-            <a:pPr algn="ctr"/>
-            <a:r>
-              <a:rPr lang="en-GB" dirty="0"/>
-              <a:t>Emotions</a:t>
-            </a:r>
-          </a:p>
-        </p:txBody>
-      </p:sp>
-      <p:sp>
-        <p:nvSpPr>
-          <p:cNvPr id="5" name="TextBox 4"/>
-          <p:cNvSpPr txBox="1"/>
-          <p:nvPr/>
-        </p:nvSpPr>
-        <p:spPr>
-          <a:xfrm>
-            <a:off x="0" y="1232972"/>
-            <a:ext cx="9034846" cy="830997"/>
-          </a:xfrm>
-          <a:prstGeom prst="rect">
-            <a:avLst/>
-          </a:prstGeom>
-          <a:noFill/>
-        </p:spPr>
-        <p:txBody>
-          <a:bodyPr wrap="none" rtlCol="0">
-            <a:spAutoFit/>
+          <a:bodyPr>
+            <a:normAutofit/>
           </a:bodyPr>
           <a:lstStyle/>
           <a:p>
@@ -4703,8 +4721,14 @@
                 <a:latin typeface="Adobe Devanagari" panose="02040503050201020203" pitchFamily="18" charset="0"/>
                 <a:cs typeface="Adobe Devanagari" panose="02040503050201020203" pitchFamily="18" charset="0"/>
               </a:rPr>
-              <a:t>Onism: The frustration of being stuck in just one body that inhabits only one </a:t>
-            </a:r>
+              <a:t>2 Player controlled entities, but only able to control on at a time</a:t>
+            </a:r>
+          </a:p>
+          <a:p>
+            <a:endParaRPr lang="en-GB" sz="2400" dirty="0">
+              <a:latin typeface="Adobe Devanagari" panose="02040503050201020203" pitchFamily="18" charset="0"/>
+              <a:cs typeface="Adobe Devanagari" panose="02040503050201020203" pitchFamily="18" charset="0"/>
+            </a:endParaRPr>
           </a:p>
           <a:p>
             <a:r>
@@ -4712,39 +4736,83 @@
                 <a:latin typeface="Adobe Devanagari" panose="02040503050201020203" pitchFamily="18" charset="0"/>
                 <a:cs typeface="Adobe Devanagari" panose="02040503050201020203" pitchFamily="18" charset="0"/>
               </a:rPr>
-              <a:t>place at a time</a:t>
-            </a:r>
-          </a:p>
-        </p:txBody>
-      </p:sp>
-      <p:sp>
-        <p:nvSpPr>
-          <p:cNvPr id="6" name="TextBox 5"/>
-          <p:cNvSpPr txBox="1"/>
-          <p:nvPr/>
-        </p:nvSpPr>
-        <p:spPr>
-          <a:xfrm>
-            <a:off x="0" y="2636912"/>
-            <a:ext cx="7510389" cy="461665"/>
-          </a:xfrm>
-          <a:prstGeom prst="rect">
-            <a:avLst/>
-          </a:prstGeom>
-          <a:noFill/>
-        </p:spPr>
-        <p:txBody>
-          <a:bodyPr wrap="none" rtlCol="0">
-            <a:spAutoFit/>
-          </a:bodyPr>
-          <a:lstStyle/>
+              <a:t>Each entity has a small field of view</a:t>
+            </a:r>
+          </a:p>
+          <a:p>
+            <a:endParaRPr lang="en-GB" sz="2400" dirty="0">
+              <a:latin typeface="Adobe Devanagari" panose="02040503050201020203" pitchFamily="18" charset="0"/>
+              <a:cs typeface="Adobe Devanagari" panose="02040503050201020203" pitchFamily="18" charset="0"/>
+            </a:endParaRPr>
+          </a:p>
           <a:p>
             <a:r>
               <a:rPr lang="en-GB" sz="2400" dirty="0">
                 <a:latin typeface="Adobe Devanagari" panose="02040503050201020203" pitchFamily="18" charset="0"/>
                 <a:cs typeface="Adobe Devanagari" panose="02040503050201020203" pitchFamily="18" charset="0"/>
               </a:rPr>
-              <a:t>Occhiolism: The awareness of the smallness of your perspective.</a:t>
+              <a:t>Must use both entities to complete </a:t>
+            </a:r>
+            <a:r>
+              <a:rPr lang="en-GB" sz="2400" dirty="0" smtClean="0">
+                <a:latin typeface="Adobe Devanagari" panose="02040503050201020203" pitchFamily="18" charset="0"/>
+                <a:cs typeface="Adobe Devanagari" panose="02040503050201020203" pitchFamily="18" charset="0"/>
+              </a:rPr>
+              <a:t>puzzles</a:t>
+            </a:r>
+          </a:p>
+          <a:p>
+            <a:endParaRPr lang="en-GB" sz="2400" dirty="0">
+              <a:latin typeface="Adobe Devanagari" panose="02040503050201020203" pitchFamily="18" charset="0"/>
+              <a:cs typeface="Adobe Devanagari" panose="02040503050201020203" pitchFamily="18" charset="0"/>
+            </a:endParaRPr>
+          </a:p>
+          <a:p>
+            <a:r>
+              <a:rPr lang="en-GB" sz="2400" dirty="0" smtClean="0">
+                <a:latin typeface="Adobe Devanagari" panose="02040503050201020203" pitchFamily="18" charset="0"/>
+                <a:cs typeface="Adobe Devanagari" panose="02040503050201020203" pitchFamily="18" charset="0"/>
+              </a:rPr>
+              <a:t>The player will be given two reward choices however they can only choice one. </a:t>
+            </a:r>
+            <a:endParaRPr lang="en-GB" sz="2400" dirty="0">
+              <a:latin typeface="Adobe Devanagari" panose="02040503050201020203" pitchFamily="18" charset="0"/>
+              <a:cs typeface="Adobe Devanagari" panose="02040503050201020203" pitchFamily="18" charset="0"/>
+            </a:endParaRPr>
+          </a:p>
+          <a:p>
+            <a:endParaRPr lang="en-GB" sz="2400" dirty="0">
+              <a:latin typeface="Adobe Devanagari" panose="02040503050201020203" pitchFamily="18" charset="0"/>
+              <a:cs typeface="Adobe Devanagari" panose="02040503050201020203" pitchFamily="18" charset="0"/>
+            </a:endParaRPr>
+          </a:p>
+          <a:p>
+            <a:endParaRPr lang="en-GB" sz="2400" dirty="0">
+              <a:latin typeface="Adobe Devanagari" panose="02040503050201020203" pitchFamily="18" charset="0"/>
+              <a:cs typeface="Adobe Devanagari" panose="02040503050201020203" pitchFamily="18" charset="0"/>
+            </a:endParaRPr>
+          </a:p>
+        </p:txBody>
+      </p:sp>
+      <p:sp>
+        <p:nvSpPr>
+          <p:cNvPr id="3" name="Title 2"/>
+          <p:cNvSpPr>
+            <a:spLocks noGrp="1"/>
+          </p:cNvSpPr>
+          <p:nvPr>
+            <p:ph type="title"/>
+          </p:nvPr>
+        </p:nvSpPr>
+        <p:spPr/>
+        <p:txBody>
+          <a:bodyPr/>
+          <a:lstStyle/>
+          <a:p>
+            <a:pPr algn="ctr"/>
+            <a:r>
+              <a:rPr lang="en-GB" dirty="0"/>
+              <a:t>Emotion Evoking Mechanic </a:t>
             </a:r>
           </a:p>
         </p:txBody>
@@ -4752,7 +4820,7 @@
     </p:spTree>
     <p:extLst>
       <p:ext uri="{BB962C8B-B14F-4D97-AF65-F5344CB8AC3E}">
-        <p14:creationId xmlns:p14="http://schemas.microsoft.com/office/powerpoint/2010/main" val="4283638989"/>
+        <p14:creationId xmlns:p14="http://schemas.microsoft.com/office/powerpoint/2010/main" val="3673539322"/>
       </p:ext>
     </p:extLst>
   </p:cSld>
@@ -4797,55 +4865,47 @@
           <a:lstStyle/>
           <a:p>
             <a:r>
-              <a:rPr lang="en-GB" sz="2400" dirty="0">
+              <a:rPr lang="en-GB" sz="2400" dirty="0" smtClean="0">
                 <a:latin typeface="Adobe Devanagari" panose="02040503050201020203" pitchFamily="18" charset="0"/>
                 <a:cs typeface="Adobe Devanagari" panose="02040503050201020203" pitchFamily="18" charset="0"/>
               </a:rPr>
-              <a:t>2 Player controlled entities, but only able to control on at a time</a:t>
-            </a:r>
-          </a:p>
-          <a:p>
+              <a:t>Males &amp; Females </a:t>
+            </a:r>
+          </a:p>
+          <a:p>
+            <a:endParaRPr lang="en-GB" sz="2400" dirty="0" smtClean="0">
+              <a:latin typeface="Adobe Devanagari" panose="02040503050201020203" pitchFamily="18" charset="0"/>
+              <a:cs typeface="Adobe Devanagari" panose="02040503050201020203" pitchFamily="18" charset="0"/>
+            </a:endParaRPr>
+          </a:p>
+          <a:p>
+            <a:r>
+              <a:rPr lang="en-GB" sz="2400" dirty="0" smtClean="0">
+                <a:latin typeface="Adobe Devanagari" panose="02040503050201020203" pitchFamily="18" charset="0"/>
+                <a:cs typeface="Adobe Devanagari" panose="02040503050201020203" pitchFamily="18" charset="0"/>
+              </a:rPr>
+              <a:t>Aged 18-28</a:t>
+            </a:r>
+          </a:p>
+          <a:p>
+            <a:endParaRPr lang="en-GB" sz="2400" dirty="0" smtClean="0">
+              <a:latin typeface="Adobe Devanagari" panose="02040503050201020203" pitchFamily="18" charset="0"/>
+              <a:cs typeface="Adobe Devanagari" panose="02040503050201020203" pitchFamily="18" charset="0"/>
+            </a:endParaRPr>
+          </a:p>
+          <a:p>
+            <a:r>
+              <a:rPr lang="en-GB" sz="2400" dirty="0" smtClean="0">
+                <a:latin typeface="Adobe Devanagari" panose="02040503050201020203" pitchFamily="18" charset="0"/>
+                <a:cs typeface="Adobe Devanagari" panose="02040503050201020203" pitchFamily="18" charset="0"/>
+              </a:rPr>
+              <a:t>Player type: Achievers</a:t>
+            </a:r>
             <a:endParaRPr lang="en-GB" sz="2400" dirty="0">
               <a:latin typeface="Adobe Devanagari" panose="02040503050201020203" pitchFamily="18" charset="0"/>
               <a:cs typeface="Adobe Devanagari" panose="02040503050201020203" pitchFamily="18" charset="0"/>
             </a:endParaRPr>
           </a:p>
-          <a:p>
-            <a:r>
-              <a:rPr lang="en-GB" sz="2400" dirty="0">
-                <a:latin typeface="Adobe Devanagari" panose="02040503050201020203" pitchFamily="18" charset="0"/>
-                <a:cs typeface="Adobe Devanagari" panose="02040503050201020203" pitchFamily="18" charset="0"/>
-              </a:rPr>
-              <a:t>Each entity has a small field of view</a:t>
-            </a:r>
-          </a:p>
-          <a:p>
-            <a:endParaRPr lang="en-GB" sz="2400" dirty="0">
-              <a:latin typeface="Adobe Devanagari" panose="02040503050201020203" pitchFamily="18" charset="0"/>
-              <a:cs typeface="Adobe Devanagari" panose="02040503050201020203" pitchFamily="18" charset="0"/>
-            </a:endParaRPr>
-          </a:p>
-          <a:p>
-            <a:r>
-              <a:rPr lang="en-GB" sz="2400" dirty="0">
-                <a:latin typeface="Adobe Devanagari" panose="02040503050201020203" pitchFamily="18" charset="0"/>
-                <a:cs typeface="Adobe Devanagari" panose="02040503050201020203" pitchFamily="18" charset="0"/>
-              </a:rPr>
-              <a:t>Must use both entities to complete puzzles</a:t>
-            </a:r>
-          </a:p>
-          <a:p>
-            <a:endParaRPr lang="en-GB" sz="2400" dirty="0">
-              <a:latin typeface="Adobe Devanagari" panose="02040503050201020203" pitchFamily="18" charset="0"/>
-              <a:cs typeface="Adobe Devanagari" panose="02040503050201020203" pitchFamily="18" charset="0"/>
-            </a:endParaRPr>
-          </a:p>
-          <a:p>
-            <a:endParaRPr lang="en-GB" sz="2400" dirty="0">
-              <a:latin typeface="Adobe Devanagari" panose="02040503050201020203" pitchFamily="18" charset="0"/>
-              <a:cs typeface="Adobe Devanagari" panose="02040503050201020203" pitchFamily="18" charset="0"/>
-            </a:endParaRPr>
-          </a:p>
         </p:txBody>
       </p:sp>
       <p:sp>
@@ -4866,7 +4926,7 @@
             <a:pPr algn="ctr"/>
             <a:r>
               <a:rPr lang="en-GB" dirty="0"/>
-              <a:t>Emotion Evoking Mechanic </a:t>
+              <a:t>Target Market</a:t>
             </a:r>
           </a:p>
         </p:txBody>
@@ -4874,7 +4934,7 @@
     </p:spTree>
     <p:extLst>
       <p:ext uri="{BB962C8B-B14F-4D97-AF65-F5344CB8AC3E}">
-        <p14:creationId xmlns:p14="http://schemas.microsoft.com/office/powerpoint/2010/main" val="3673539322"/>
+        <p14:creationId xmlns:p14="http://schemas.microsoft.com/office/powerpoint/2010/main" val="1220128702"/>
       </p:ext>
     </p:extLst>
   </p:cSld>
@@ -4913,32 +4973,106 @@
         </p:nvSpPr>
         <p:spPr/>
         <p:txBody>
+          <a:bodyPr>
+            <a:normAutofit/>
+          </a:bodyPr>
+          <a:lstStyle/>
+          <a:p>
+            <a:r>
+              <a:rPr lang="en-GB" sz="2400" dirty="0">
+                <a:latin typeface="Adobe Devanagari" panose="02040503050201020203" pitchFamily="18" charset="0"/>
+                <a:cs typeface="Adobe Devanagari" panose="02040503050201020203" pitchFamily="18" charset="0"/>
+              </a:rPr>
+              <a:t>Compete puzzles to progress through level</a:t>
+            </a:r>
+          </a:p>
+          <a:p>
+            <a:endParaRPr lang="en-GB" sz="2400" dirty="0" smtClean="0">
+              <a:latin typeface="Adobe Devanagari" panose="02040503050201020203" pitchFamily="18" charset="0"/>
+              <a:cs typeface="Adobe Devanagari" panose="02040503050201020203" pitchFamily="18" charset="0"/>
+            </a:endParaRPr>
+          </a:p>
+          <a:p>
+            <a:r>
+              <a:rPr lang="en-GB" sz="2400" dirty="0" smtClean="0">
+                <a:latin typeface="Adobe Devanagari" panose="02040503050201020203" pitchFamily="18" charset="0"/>
+                <a:cs typeface="Adobe Devanagari" panose="02040503050201020203" pitchFamily="18" charset="0"/>
+              </a:rPr>
+              <a:t>Learn</a:t>
+            </a:r>
+            <a:r>
+              <a:rPr lang="en-GB" sz="2400" dirty="0">
+                <a:latin typeface="Adobe Devanagari" panose="02040503050201020203" pitchFamily="18" charset="0"/>
+                <a:cs typeface="Adobe Devanagari" panose="02040503050201020203" pitchFamily="18" charset="0"/>
+              </a:rPr>
+              <a:t>, Practise, Master loop</a:t>
+            </a:r>
+          </a:p>
+          <a:p>
+            <a:endParaRPr lang="en-GB" sz="2400" dirty="0" smtClean="0">
+              <a:latin typeface="Adobe Devanagari" panose="02040503050201020203" pitchFamily="18" charset="0"/>
+              <a:cs typeface="Adobe Devanagari" panose="02040503050201020203" pitchFamily="18" charset="0"/>
+            </a:endParaRPr>
+          </a:p>
+          <a:p>
+            <a:r>
+              <a:rPr lang="en-GB" sz="2400" dirty="0" smtClean="0">
+                <a:latin typeface="Adobe Devanagari" panose="02040503050201020203" pitchFamily="18" charset="0"/>
+                <a:cs typeface="Adobe Devanagari" panose="02040503050201020203" pitchFamily="18" charset="0"/>
+              </a:rPr>
+              <a:t>Start </a:t>
+            </a:r>
+            <a:r>
+              <a:rPr lang="en-GB" sz="2400" dirty="0">
+                <a:latin typeface="Adobe Devanagari" panose="02040503050201020203" pitchFamily="18" charset="0"/>
+                <a:cs typeface="Adobe Devanagari" panose="02040503050201020203" pitchFamily="18" charset="0"/>
+              </a:rPr>
+              <a:t>with a simple lever to open door</a:t>
+            </a:r>
+          </a:p>
+          <a:p>
+            <a:endParaRPr lang="en-GB" sz="2400" dirty="0" smtClean="0">
+              <a:latin typeface="Adobe Devanagari" panose="02040503050201020203" pitchFamily="18" charset="0"/>
+              <a:cs typeface="Adobe Devanagari" panose="02040503050201020203" pitchFamily="18" charset="0"/>
+            </a:endParaRPr>
+          </a:p>
+          <a:p>
+            <a:r>
+              <a:rPr lang="en-GB" sz="2400" dirty="0" smtClean="0">
+                <a:latin typeface="Adobe Devanagari" panose="02040503050201020203" pitchFamily="18" charset="0"/>
+                <a:cs typeface="Adobe Devanagari" panose="02040503050201020203" pitchFamily="18" charset="0"/>
+              </a:rPr>
+              <a:t>Progresses </a:t>
+            </a:r>
+            <a:r>
+              <a:rPr lang="en-GB" sz="2400" dirty="0">
+                <a:latin typeface="Adobe Devanagari" panose="02040503050201020203" pitchFamily="18" charset="0"/>
+                <a:cs typeface="Adobe Devanagari" panose="02040503050201020203" pitchFamily="18" charset="0"/>
+              </a:rPr>
+              <a:t>into perspective based levers (Levers and other items you can only see with a specific character)</a:t>
+            </a:r>
+          </a:p>
+        </p:txBody>
+      </p:sp>
+      <p:sp>
+        <p:nvSpPr>
+          <p:cNvPr id="3" name="Title 2"/>
+          <p:cNvSpPr>
+            <a:spLocks noGrp="1"/>
+          </p:cNvSpPr>
+          <p:nvPr>
+            <p:ph type="title"/>
+          </p:nvPr>
+        </p:nvSpPr>
+        <p:spPr/>
+        <p:txBody>
           <a:bodyPr/>
           <a:lstStyle/>
           <a:p>
-            <a:endParaRPr lang="en-GB"/>
-          </a:p>
-        </p:txBody>
-      </p:sp>
-      <p:sp>
-        <p:nvSpPr>
-          <p:cNvPr id="3" name="Title 2"/>
-          <p:cNvSpPr>
-            <a:spLocks noGrp="1"/>
-          </p:cNvSpPr>
-          <p:nvPr>
-            <p:ph type="title"/>
-          </p:nvPr>
-        </p:nvSpPr>
-        <p:spPr/>
-        <p:txBody>
-          <a:bodyPr/>
-          <a:lstStyle/>
-          <a:p>
             <a:pPr algn="ctr"/>
             <a:r>
               <a:rPr lang="en-GB" dirty="0"/>
-              <a:t>Target Market</a:t>
+              <a:t>What the player does</a:t>
             </a:r>
           </a:p>
         </p:txBody>
@@ -4946,7 +5080,7 @@
     </p:spTree>
     <p:extLst>
       <p:ext uri="{BB962C8B-B14F-4D97-AF65-F5344CB8AC3E}">
-        <p14:creationId xmlns:p14="http://schemas.microsoft.com/office/powerpoint/2010/main" val="1220128702"/>
+        <p14:creationId xmlns:p14="http://schemas.microsoft.com/office/powerpoint/2010/main" val="4154403138"/>
       </p:ext>
     </p:extLst>
   </p:cSld>
@@ -4995,35 +5129,91 @@
                 <a:latin typeface="Adobe Devanagari" panose="02040503050201020203" pitchFamily="18" charset="0"/>
                 <a:cs typeface="Adobe Devanagari" panose="02040503050201020203" pitchFamily="18" charset="0"/>
               </a:rPr>
-              <a:t>Compete puzzles to progress through level</a:t>
-            </a:r>
-          </a:p>
-          <a:p>
+              <a:t>5 Levels</a:t>
+            </a:r>
+          </a:p>
+          <a:p>
+            <a:endParaRPr lang="en-GB" sz="2400" dirty="0" smtClean="0">
+              <a:latin typeface="Adobe Devanagari" panose="02040503050201020203" pitchFamily="18" charset="0"/>
+              <a:cs typeface="Adobe Devanagari" panose="02040503050201020203" pitchFamily="18" charset="0"/>
+            </a:endParaRPr>
+          </a:p>
+          <a:p>
+            <a:r>
+              <a:rPr lang="en-GB" sz="2400" dirty="0" smtClean="0">
+                <a:latin typeface="Adobe Devanagari" panose="02040503050201020203" pitchFamily="18" charset="0"/>
+                <a:cs typeface="Adobe Devanagari" panose="02040503050201020203" pitchFamily="18" charset="0"/>
+              </a:rPr>
+              <a:t>L1 </a:t>
+            </a:r>
             <a:r>
               <a:rPr lang="en-GB" sz="2400" dirty="0">
                 <a:latin typeface="Adobe Devanagari" panose="02040503050201020203" pitchFamily="18" charset="0"/>
                 <a:cs typeface="Adobe Devanagari" panose="02040503050201020203" pitchFamily="18" charset="0"/>
               </a:rPr>
-              <a:t>Learn, Practise, Master loop</a:t>
-            </a:r>
-          </a:p>
-          <a:p>
+              <a:t>learn base interaction</a:t>
+            </a:r>
+          </a:p>
+          <a:p>
+            <a:endParaRPr lang="en-GB" sz="2400" dirty="0" smtClean="0">
+              <a:latin typeface="Adobe Devanagari" panose="02040503050201020203" pitchFamily="18" charset="0"/>
+              <a:cs typeface="Adobe Devanagari" panose="02040503050201020203" pitchFamily="18" charset="0"/>
+            </a:endParaRPr>
+          </a:p>
+          <a:p>
+            <a:r>
+              <a:rPr lang="en-GB" sz="2400" dirty="0" smtClean="0">
+                <a:latin typeface="Adobe Devanagari" panose="02040503050201020203" pitchFamily="18" charset="0"/>
+                <a:cs typeface="Adobe Devanagari" panose="02040503050201020203" pitchFamily="18" charset="0"/>
+              </a:rPr>
+              <a:t>L2-3 </a:t>
+            </a:r>
             <a:r>
               <a:rPr lang="en-GB" sz="2400" dirty="0">
                 <a:latin typeface="Adobe Devanagari" panose="02040503050201020203" pitchFamily="18" charset="0"/>
                 <a:cs typeface="Adobe Devanagari" panose="02040503050201020203" pitchFamily="18" charset="0"/>
               </a:rPr>
-              <a:t>Start with a simple lever to open door</a:t>
-            </a:r>
-          </a:p>
-          <a:p>
+              <a:t>practise interaction starting to scale up</a:t>
+            </a:r>
+          </a:p>
+          <a:p>
+            <a:endParaRPr lang="en-GB" sz="2400" dirty="0" smtClean="0">
+              <a:latin typeface="Adobe Devanagari" panose="02040503050201020203" pitchFamily="18" charset="0"/>
+              <a:cs typeface="Adobe Devanagari" panose="02040503050201020203" pitchFamily="18" charset="0"/>
+            </a:endParaRPr>
+          </a:p>
+          <a:p>
+            <a:r>
+              <a:rPr lang="en-GB" sz="2400" dirty="0" smtClean="0">
+                <a:latin typeface="Adobe Devanagari" panose="02040503050201020203" pitchFamily="18" charset="0"/>
+                <a:cs typeface="Adobe Devanagari" panose="02040503050201020203" pitchFamily="18" charset="0"/>
+              </a:rPr>
+              <a:t>L4-5 </a:t>
+            </a:r>
             <a:r>
               <a:rPr lang="en-GB" sz="2400" dirty="0">
                 <a:latin typeface="Adobe Devanagari" panose="02040503050201020203" pitchFamily="18" charset="0"/>
                 <a:cs typeface="Adobe Devanagari" panose="02040503050201020203" pitchFamily="18" charset="0"/>
               </a:rPr>
-              <a:t>Progresses into perspective based levers (Levers and other items you can only see with a specific character)</a:t>
-            </a:r>
+              <a:t>more challenging levels with complex ordering of </a:t>
+            </a:r>
+            <a:r>
+              <a:rPr lang="en-GB" sz="2400" dirty="0" smtClean="0">
+                <a:latin typeface="Adobe Devanagari" panose="02040503050201020203" pitchFamily="18" charset="0"/>
+                <a:cs typeface="Adobe Devanagari" panose="02040503050201020203" pitchFamily="18" charset="0"/>
+              </a:rPr>
+              <a:t>intractable.</a:t>
+            </a:r>
+            <a:endParaRPr lang="en-GB" sz="2400" dirty="0">
+              <a:latin typeface="Adobe Devanagari" panose="02040503050201020203" pitchFamily="18" charset="0"/>
+              <a:cs typeface="Adobe Devanagari" panose="02040503050201020203" pitchFamily="18" charset="0"/>
+            </a:endParaRPr>
+          </a:p>
+          <a:p>
+            <a:endParaRPr lang="en-GB" sz="2400" dirty="0">
+              <a:latin typeface="Adobe Devanagari" panose="02040503050201020203" pitchFamily="18" charset="0"/>
+              <a:cs typeface="Adobe Devanagari" panose="02040503050201020203" pitchFamily="18" charset="0"/>
+            </a:endParaRPr>
           </a:p>
         </p:txBody>
       </p:sp>
@@ -5045,7 +5235,7 @@
             <a:pPr algn="ctr"/>
             <a:r>
               <a:rPr lang="en-GB" dirty="0"/>
-              <a:t>What the player does</a:t>
+              <a:t>Scope and Scale</a:t>
             </a:r>
           </a:p>
         </p:txBody>
@@ -5053,7 +5243,7 @@
     </p:spTree>
     <p:extLst>
       <p:ext uri="{BB962C8B-B14F-4D97-AF65-F5344CB8AC3E}">
-        <p14:creationId xmlns:p14="http://schemas.microsoft.com/office/powerpoint/2010/main" val="4154403138"/>
+        <p14:creationId xmlns:p14="http://schemas.microsoft.com/office/powerpoint/2010/main" val="2210266450"/>
       </p:ext>
     </p:extLst>
   </p:cSld>
@@ -5098,59 +5288,116 @@
           <a:lstStyle/>
           <a:p>
             <a:r>
-              <a:rPr lang="en-GB" sz="2400" dirty="0">
+              <a:rPr lang="en-GB" dirty="0" smtClean="0">
                 <a:latin typeface="Adobe Devanagari" panose="02040503050201020203" pitchFamily="18" charset="0"/>
                 <a:cs typeface="Adobe Devanagari" panose="02040503050201020203" pitchFamily="18" charset="0"/>
               </a:rPr>
-              <a:t>5 Levels</a:t>
-            </a:r>
-          </a:p>
-          <a:p>
-            <a:r>
-              <a:rPr lang="en-GB" sz="2400" dirty="0">
+              <a:t>Emails Sent:</a:t>
+            </a:r>
+          </a:p>
+          <a:p>
+            <a:pPr marL="109728" indent="0">
+              <a:buNone/>
+            </a:pPr>
+            <a:r>
+              <a:rPr lang="en-GB" dirty="0" smtClean="0">
                 <a:latin typeface="Adobe Devanagari" panose="02040503050201020203" pitchFamily="18" charset="0"/>
                 <a:cs typeface="Adobe Devanagari" panose="02040503050201020203" pitchFamily="18" charset="0"/>
               </a:rPr>
-              <a:t>L1 learn base interaction</a:t>
-            </a:r>
-          </a:p>
-          <a:p>
-            <a:r>
-              <a:rPr lang="en-GB" sz="2400" dirty="0">
+              <a:t>John Dorman: 9</a:t>
+            </a:r>
+          </a:p>
+          <a:p>
+            <a:pPr marL="109728" indent="0">
+              <a:buNone/>
+            </a:pPr>
+            <a:r>
+              <a:rPr lang="en-GB" dirty="0" smtClean="0">
                 <a:latin typeface="Adobe Devanagari" panose="02040503050201020203" pitchFamily="18" charset="0"/>
                 <a:cs typeface="Adobe Devanagari" panose="02040503050201020203" pitchFamily="18" charset="0"/>
               </a:rPr>
-              <a:t>L2-3 practise interaction starting to scale up</a:t>
-            </a:r>
-          </a:p>
-          <a:p>
-            <a:r>
-              <a:rPr lang="en-GB" sz="2400" dirty="0">
+              <a:t>Guy Zawada: 10</a:t>
+            </a:r>
+          </a:p>
+          <a:p>
+            <a:pPr marL="109728" indent="0">
+              <a:buNone/>
+            </a:pPr>
+            <a:r>
+              <a:rPr lang="en-GB" dirty="0" smtClean="0">
                 <a:latin typeface="Adobe Devanagari" panose="02040503050201020203" pitchFamily="18" charset="0"/>
                 <a:cs typeface="Adobe Devanagari" panose="02040503050201020203" pitchFamily="18" charset="0"/>
               </a:rPr>
-              <a:t>L4-5 more challenging levels with complex ordering of </a:t>
-            </a:r>
-            <a:r>
-              <a:rPr lang="en-GB" sz="2400" dirty="0" err="1">
+              <a:t>Lewis Wilden: 12</a:t>
+            </a:r>
+          </a:p>
+          <a:p>
+            <a:pPr marL="109728" indent="0">
+              <a:buNone/>
+            </a:pPr>
+            <a:endParaRPr lang="en-GB" dirty="0">
+              <a:latin typeface="Adobe Devanagari" panose="02040503050201020203" pitchFamily="18" charset="0"/>
+              <a:cs typeface="Adobe Devanagari" panose="02040503050201020203" pitchFamily="18" charset="0"/>
+            </a:endParaRPr>
+          </a:p>
+          <a:p>
+            <a:r>
+              <a:rPr lang="en-GB" dirty="0" smtClean="0">
                 <a:latin typeface="Adobe Devanagari" panose="02040503050201020203" pitchFamily="18" charset="0"/>
                 <a:cs typeface="Adobe Devanagari" panose="02040503050201020203" pitchFamily="18" charset="0"/>
               </a:rPr>
-              <a:t>interactables</a:t>
-            </a:r>
-            <a:r>
-              <a:rPr lang="en-GB" sz="2400" dirty="0">
+              <a:t>Hours Logged:</a:t>
+            </a:r>
+          </a:p>
+          <a:p>
+            <a:pPr marL="109728" indent="0">
+              <a:buNone/>
+            </a:pPr>
+            <a:r>
+              <a:rPr lang="en-GB" dirty="0">
                 <a:latin typeface="Adobe Devanagari" panose="02040503050201020203" pitchFamily="18" charset="0"/>
                 <a:cs typeface="Adobe Devanagari" panose="02040503050201020203" pitchFamily="18" charset="0"/>
               </a:rPr>
-              <a:t>.</a:t>
-            </a:r>
-          </a:p>
-          <a:p>
-            <a:endParaRPr lang="en-GB" sz="2400" dirty="0">
-              <a:latin typeface="Adobe Devanagari" panose="02040503050201020203" pitchFamily="18" charset="0"/>
-              <a:cs typeface="Adobe Devanagari" panose="02040503050201020203" pitchFamily="18" charset="0"/>
-            </a:endParaRPr>
+              <a:t>John Dorman</a:t>
+            </a:r>
+            <a:r>
+              <a:rPr lang="en-GB" dirty="0" smtClean="0">
+                <a:latin typeface="Adobe Devanagari" panose="02040503050201020203" pitchFamily="18" charset="0"/>
+                <a:cs typeface="Adobe Devanagari" panose="02040503050201020203" pitchFamily="18" charset="0"/>
+              </a:rPr>
+              <a:t>:</a:t>
+            </a:r>
+          </a:p>
+          <a:p>
+            <a:pPr marL="109728" indent="0">
+              <a:buNone/>
+            </a:pPr>
+            <a:r>
+              <a:rPr lang="en-GB" dirty="0">
+                <a:latin typeface="Adobe Devanagari" panose="02040503050201020203" pitchFamily="18" charset="0"/>
+                <a:cs typeface="Adobe Devanagari" panose="02040503050201020203" pitchFamily="18" charset="0"/>
+              </a:rPr>
+              <a:t>Guy Zawada</a:t>
+            </a:r>
+            <a:r>
+              <a:rPr lang="en-GB" dirty="0" smtClean="0">
+                <a:latin typeface="Adobe Devanagari" panose="02040503050201020203" pitchFamily="18" charset="0"/>
+                <a:cs typeface="Adobe Devanagari" panose="02040503050201020203" pitchFamily="18" charset="0"/>
+              </a:rPr>
+              <a:t>:</a:t>
+            </a:r>
+          </a:p>
+          <a:p>
+            <a:pPr marL="109728" indent="0">
+              <a:buNone/>
+            </a:pPr>
+            <a:r>
+              <a:rPr lang="en-GB" dirty="0">
+                <a:latin typeface="Adobe Devanagari" panose="02040503050201020203" pitchFamily="18" charset="0"/>
+                <a:cs typeface="Adobe Devanagari" panose="02040503050201020203" pitchFamily="18" charset="0"/>
+              </a:rPr>
+              <a:t>Lewis Wilden:</a:t>
+            </a:r>
           </a:p>
         </p:txBody>
       </p:sp>
@@ -5171,16 +5418,17 @@
           <a:p>
             <a:pPr algn="ctr"/>
             <a:r>
-              <a:rPr lang="en-GB" dirty="0"/>
-              <a:t>Scope and Scale</a:t>
-            </a:r>
+              <a:rPr lang="en-GB" dirty="0" smtClean="0"/>
+              <a:t>Sprint Information</a:t>
+            </a:r>
+            <a:endParaRPr lang="en-GB" dirty="0"/>
           </a:p>
         </p:txBody>
       </p:sp>
     </p:spTree>
     <p:extLst>
       <p:ext uri="{BB962C8B-B14F-4D97-AF65-F5344CB8AC3E}">
-        <p14:creationId xmlns:p14="http://schemas.microsoft.com/office/powerpoint/2010/main" val="2210266450"/>
+        <p14:creationId xmlns:p14="http://schemas.microsoft.com/office/powerpoint/2010/main" val="1800460598"/>
       </p:ext>
     </p:extLst>
   </p:cSld>
@@ -5207,25 +5455,6 @@
           <a:chExt cx="0" cy="0"/>
         </a:xfrm>
       </p:grpSpPr>
-      <p:sp>
-        <p:nvSpPr>
-          <p:cNvPr id="2" name="Content Placeholder 1"/>
-          <p:cNvSpPr>
-            <a:spLocks noGrp="1"/>
-          </p:cNvSpPr>
-          <p:nvPr>
-            <p:ph idx="1"/>
-          </p:nvPr>
-        </p:nvSpPr>
-        <p:spPr/>
-        <p:txBody>
-          <a:bodyPr/>
-          <a:lstStyle/>
-          <a:p>
-            <a:endParaRPr lang="en-GB" dirty="0"/>
-          </a:p>
-        </p:txBody>
-      </p:sp>
       <p:sp>
         <p:nvSpPr>
           <p:cNvPr id="3" name="Title 2"/>

--- a/Presentations/First Pres.pptx
+++ b/Presentations/First Pres.pptx
@@ -7,8 +7,8 @@
   <p:sldIdLst>
     <p:sldId id="256" r:id="rId2"/>
     <p:sldId id="258" r:id="rId3"/>
-    <p:sldId id="265" r:id="rId4"/>
-    <p:sldId id="267" r:id="rId5"/>
+    <p:sldId id="267" r:id="rId4"/>
+    <p:sldId id="265" r:id="rId5"/>
     <p:sldId id="266" r:id="rId6"/>
     <p:sldId id="268" r:id="rId7"/>
     <p:sldId id="269" r:id="rId8"/>
@@ -113,7 +113,7 @@
   </p:defaultTextStyle>
   <p:extLst>
     <p:ext uri="{EFAFB233-063F-42B5-8137-9DF3F51BA10A}">
-      <p15:sldGuideLst xmlns:p15="http://schemas.microsoft.com/office/powerpoint/2012/main">
+      <p15:sldGuideLst xmlns:p15="http://schemas.microsoft.com/office/powerpoint/2012/main" xmlns="">
         <p15:guide id="1" orient="horz" pos="2160">
           <p15:clr>
             <a:srgbClr val="A4A3A4"/>
@@ -745,6 +745,7 @@
           <a:p>
             <a:fld id="{34E2A383-966C-45EC-A435-AFD2DF6E3929}" type="datetimeFigureOut">
               <a:rPr lang="en-GB" smtClean="0"/>
+              <a:pPr/>
               <a:t>19/10/2016</a:t>
             </a:fld>
             <a:endParaRPr lang="en-GB"/>
@@ -807,6 +808,7 @@
           <a:p>
             <a:fld id="{AA23765E-D54E-4F48-85D1-C68B0342204D}" type="slidenum">
               <a:rPr lang="en-GB" smtClean="0"/>
+              <a:pPr/>
               <a:t>‹#›</a:t>
             </a:fld>
             <a:endParaRPr lang="en-GB"/>
@@ -934,6 +936,7 @@
           <a:p>
             <a:fld id="{34E2A383-966C-45EC-A435-AFD2DF6E3929}" type="datetimeFigureOut">
               <a:rPr lang="en-GB" smtClean="0"/>
+              <a:pPr/>
               <a:t>19/10/2016</a:t>
             </a:fld>
             <a:endParaRPr lang="en-GB"/>
@@ -976,6 +979,7 @@
           <a:p>
             <a:fld id="{AA23765E-D54E-4F48-85D1-C68B0342204D}" type="slidenum">
               <a:rPr lang="en-GB" smtClean="0"/>
+              <a:pPr/>
               <a:t>‹#›</a:t>
             </a:fld>
             <a:endParaRPr lang="en-GB"/>
@@ -1108,6 +1112,7 @@
           <a:p>
             <a:fld id="{34E2A383-966C-45EC-A435-AFD2DF6E3929}" type="datetimeFigureOut">
               <a:rPr lang="en-GB" smtClean="0"/>
+              <a:pPr/>
               <a:t>19/10/2016</a:t>
             </a:fld>
             <a:endParaRPr lang="en-GB"/>
@@ -1150,6 +1155,7 @@
           <a:p>
             <a:fld id="{AA23765E-D54E-4F48-85D1-C68B0342204D}" type="slidenum">
               <a:rPr lang="en-GB" smtClean="0"/>
+              <a:pPr/>
               <a:t>‹#›</a:t>
             </a:fld>
             <a:endParaRPr lang="en-GB"/>
@@ -1250,6 +1256,7 @@
           <a:p>
             <a:fld id="{34E2A383-966C-45EC-A435-AFD2DF6E3929}" type="datetimeFigureOut">
               <a:rPr lang="en-GB" smtClean="0"/>
+              <a:pPr/>
               <a:t>19/10/2016</a:t>
             </a:fld>
             <a:endParaRPr lang="en-GB"/>
@@ -1292,6 +1299,7 @@
           <a:p>
             <a:fld id="{AA23765E-D54E-4F48-85D1-C68B0342204D}" type="slidenum">
               <a:rPr lang="en-GB" smtClean="0"/>
+              <a:pPr/>
               <a:t>‹#›</a:t>
             </a:fld>
             <a:endParaRPr lang="en-GB"/>
@@ -1495,6 +1503,7 @@
           <a:p>
             <a:fld id="{34E2A383-966C-45EC-A435-AFD2DF6E3929}" type="datetimeFigureOut">
               <a:rPr lang="en-GB" smtClean="0"/>
+              <a:pPr/>
               <a:t>19/10/2016</a:t>
             </a:fld>
             <a:endParaRPr lang="en-GB"/>
@@ -1537,6 +1546,7 @@
           <a:p>
             <a:fld id="{AA23765E-D54E-4F48-85D1-C68B0342204D}" type="slidenum">
               <a:rPr lang="en-GB" smtClean="0"/>
+              <a:pPr/>
               <a:t>‹#›</a:t>
             </a:fld>
             <a:endParaRPr lang="en-GB"/>
@@ -1894,6 +1904,7 @@
           <a:p>
             <a:fld id="{34E2A383-966C-45EC-A435-AFD2DF6E3929}" type="datetimeFigureOut">
               <a:rPr lang="en-GB" smtClean="0"/>
+              <a:pPr/>
               <a:t>19/10/2016</a:t>
             </a:fld>
             <a:endParaRPr lang="en-GB"/>
@@ -1936,6 +1947,7 @@
           <a:p>
             <a:fld id="{AA23765E-D54E-4F48-85D1-C68B0342204D}" type="slidenum">
               <a:rPr lang="en-GB" smtClean="0"/>
+              <a:pPr/>
               <a:t>‹#›</a:t>
             </a:fld>
             <a:endParaRPr lang="en-GB"/>
@@ -2330,6 +2342,7 @@
           <a:p>
             <a:fld id="{34E2A383-966C-45EC-A435-AFD2DF6E3929}" type="datetimeFigureOut">
               <a:rPr lang="en-GB" smtClean="0"/>
+              <a:pPr/>
               <a:t>19/10/2016</a:t>
             </a:fld>
             <a:endParaRPr lang="en-GB"/>
@@ -2372,6 +2385,7 @@
           <a:p>
             <a:fld id="{AA23765E-D54E-4F48-85D1-C68B0342204D}" type="slidenum">
               <a:rPr lang="en-GB" smtClean="0"/>
+              <a:pPr/>
               <a:t>‹#›</a:t>
             </a:fld>
             <a:endParaRPr lang="en-GB"/>
@@ -2425,6 +2439,7 @@
           <a:p>
             <a:fld id="{34E2A383-966C-45EC-A435-AFD2DF6E3929}" type="datetimeFigureOut">
               <a:rPr lang="en-GB" smtClean="0"/>
+              <a:pPr/>
               <a:t>19/10/2016</a:t>
             </a:fld>
             <a:endParaRPr lang="en-GB"/>
@@ -2467,6 +2482,7 @@
           <a:p>
             <a:fld id="{AA23765E-D54E-4F48-85D1-C68B0342204D}" type="slidenum">
               <a:rPr lang="en-GB" smtClean="0"/>
+              <a:pPr/>
               <a:t>‹#›</a:t>
             </a:fld>
             <a:endParaRPr lang="en-GB"/>
@@ -2537,6 +2553,7 @@
           <a:p>
             <a:fld id="{34E2A383-966C-45EC-A435-AFD2DF6E3929}" type="datetimeFigureOut">
               <a:rPr lang="en-GB" smtClean="0"/>
+              <a:pPr/>
               <a:t>19/10/2016</a:t>
             </a:fld>
             <a:endParaRPr lang="en-GB"/>
@@ -2579,6 +2596,7 @@
           <a:p>
             <a:fld id="{AA23765E-D54E-4F48-85D1-C68B0342204D}" type="slidenum">
               <a:rPr lang="en-GB" smtClean="0"/>
+              <a:pPr/>
               <a:t>‹#›</a:t>
             </a:fld>
             <a:endParaRPr lang="en-GB"/>
@@ -2804,6 +2822,7 @@
           <a:p>
             <a:fld id="{34E2A383-966C-45EC-A435-AFD2DF6E3929}" type="datetimeFigureOut">
               <a:rPr lang="en-GB" smtClean="0"/>
+              <a:pPr/>
               <a:t>19/10/2016</a:t>
             </a:fld>
             <a:endParaRPr lang="en-GB"/>
@@ -2846,6 +2865,7 @@
           <a:p>
             <a:fld id="{AA23765E-D54E-4F48-85D1-C68B0342204D}" type="slidenum">
               <a:rPr lang="en-GB" smtClean="0"/>
+              <a:pPr/>
               <a:t>‹#›</a:t>
             </a:fld>
             <a:endParaRPr lang="en-GB"/>
@@ -3005,6 +3025,7 @@
           <a:p>
             <a:fld id="{34E2A383-966C-45EC-A435-AFD2DF6E3929}" type="datetimeFigureOut">
               <a:rPr lang="en-GB" smtClean="0"/>
+              <a:pPr/>
               <a:t>19/10/2016</a:t>
             </a:fld>
             <a:endParaRPr lang="en-GB"/>
@@ -3070,6 +3091,7 @@
           <a:p>
             <a:fld id="{AA23765E-D54E-4F48-85D1-C68B0342204D}" type="slidenum">
               <a:rPr lang="en-GB" smtClean="0"/>
+              <a:pPr/>
               <a:t>‹#›</a:t>
             </a:fld>
             <a:endParaRPr lang="en-GB"/>
@@ -4091,6 +4113,7 @@
           <a:p>
             <a:fld id="{34E2A383-966C-45EC-A435-AFD2DF6E3929}" type="datetimeFigureOut">
               <a:rPr lang="en-GB" smtClean="0"/>
+              <a:pPr/>
               <a:t>19/10/2016</a:t>
             </a:fld>
             <a:endParaRPr lang="en-GB"/>
@@ -4167,6 +4190,7 @@
           <a:p>
             <a:fld id="{AA23765E-D54E-4F48-85D1-C68B0342204D}" type="slidenum">
               <a:rPr lang="en-GB" smtClean="0"/>
+              <a:pPr/>
               <a:t>‹#›</a:t>
             </a:fld>
             <a:endParaRPr lang="en-GB"/>
@@ -4717,81 +4741,45 @@
           <a:lstStyle/>
           <a:p>
             <a:r>
-              <a:rPr lang="en-GB" sz="2400" dirty="0">
+              <a:rPr lang="en-GB" sz="2400" dirty="0" smtClean="0">
                 <a:latin typeface="Adobe Devanagari" panose="02040503050201020203" pitchFamily="18" charset="0"/>
                 <a:cs typeface="Adobe Devanagari" panose="02040503050201020203" pitchFamily="18" charset="0"/>
               </a:rPr>
-              <a:t>2 Player controlled entities, but only able to control on at a time</a:t>
-            </a:r>
-          </a:p>
-          <a:p>
+              <a:t>Males </a:t>
+            </a:r>
+            <a:endParaRPr lang="en-GB" sz="2400" dirty="0" smtClean="0">
+              <a:latin typeface="Adobe Devanagari" panose="02040503050201020203" pitchFamily="18" charset="0"/>
+              <a:cs typeface="Adobe Devanagari" panose="02040503050201020203" pitchFamily="18" charset="0"/>
+            </a:endParaRPr>
+          </a:p>
+          <a:p>
+            <a:r>
+              <a:rPr lang="en-GB" sz="2400" dirty="0" smtClean="0">
+                <a:latin typeface="Adobe Devanagari" panose="02040503050201020203" pitchFamily="18" charset="0"/>
+                <a:cs typeface="Adobe Devanagari" panose="02040503050201020203" pitchFamily="18" charset="0"/>
+              </a:rPr>
+              <a:t>Aged 18-28</a:t>
+            </a:r>
+          </a:p>
+          <a:p>
+            <a:endParaRPr lang="en-GB" sz="2400" dirty="0" smtClean="0">
+              <a:latin typeface="Adobe Devanagari" panose="02040503050201020203" pitchFamily="18" charset="0"/>
+              <a:cs typeface="Adobe Devanagari" panose="02040503050201020203" pitchFamily="18" charset="0"/>
+            </a:endParaRPr>
+          </a:p>
+          <a:p>
+            <a:r>
+              <a:rPr lang="en-GB" sz="2400" dirty="0" smtClean="0">
+                <a:latin typeface="Adobe Devanagari" panose="02040503050201020203" pitchFamily="18" charset="0"/>
+                <a:cs typeface="Adobe Devanagari" panose="02040503050201020203" pitchFamily="18" charset="0"/>
+              </a:rPr>
+              <a:t>Player type: Achievers</a:t>
+            </a:r>
             <a:endParaRPr lang="en-GB" sz="2400" dirty="0">
               <a:latin typeface="Adobe Devanagari" panose="02040503050201020203" pitchFamily="18" charset="0"/>
               <a:cs typeface="Adobe Devanagari" panose="02040503050201020203" pitchFamily="18" charset="0"/>
             </a:endParaRPr>
           </a:p>
-          <a:p>
-            <a:r>
-              <a:rPr lang="en-GB" sz="2400" dirty="0">
-                <a:latin typeface="Adobe Devanagari" panose="02040503050201020203" pitchFamily="18" charset="0"/>
-                <a:cs typeface="Adobe Devanagari" panose="02040503050201020203" pitchFamily="18" charset="0"/>
-              </a:rPr>
-              <a:t>Each entity has a small field of view</a:t>
-            </a:r>
-          </a:p>
-          <a:p>
-            <a:endParaRPr lang="en-GB" sz="2400" dirty="0">
-              <a:latin typeface="Adobe Devanagari" panose="02040503050201020203" pitchFamily="18" charset="0"/>
-              <a:cs typeface="Adobe Devanagari" panose="02040503050201020203" pitchFamily="18" charset="0"/>
-            </a:endParaRPr>
-          </a:p>
-          <a:p>
-            <a:r>
-              <a:rPr lang="en-GB" sz="2400" dirty="0">
-                <a:latin typeface="Adobe Devanagari" panose="02040503050201020203" pitchFamily="18" charset="0"/>
-                <a:cs typeface="Adobe Devanagari" panose="02040503050201020203" pitchFamily="18" charset="0"/>
-              </a:rPr>
-              <a:t>Must use both entities to complete </a:t>
-            </a:r>
-            <a:r>
-              <a:rPr lang="en-GB" sz="2400" dirty="0" smtClean="0">
-                <a:latin typeface="Adobe Devanagari" panose="02040503050201020203" pitchFamily="18" charset="0"/>
-                <a:cs typeface="Adobe Devanagari" panose="02040503050201020203" pitchFamily="18" charset="0"/>
-              </a:rPr>
-              <a:t>puzzles</a:t>
-            </a:r>
-          </a:p>
-          <a:p>
-            <a:endParaRPr lang="en-GB" sz="2400" dirty="0">
-              <a:latin typeface="Adobe Devanagari" panose="02040503050201020203" pitchFamily="18" charset="0"/>
-              <a:cs typeface="Adobe Devanagari" panose="02040503050201020203" pitchFamily="18" charset="0"/>
-            </a:endParaRPr>
-          </a:p>
-          <a:p>
-            <a:r>
-              <a:rPr lang="en-GB" sz="2400" dirty="0" smtClean="0">
-                <a:latin typeface="Adobe Devanagari" panose="02040503050201020203" pitchFamily="18" charset="0"/>
-                <a:cs typeface="Adobe Devanagari" panose="02040503050201020203" pitchFamily="18" charset="0"/>
-              </a:rPr>
-              <a:t>The player will be given two reward choices however they can only choice one. </a:t>
-            </a:r>
-            <a:endParaRPr lang="en-GB" sz="2400" dirty="0">
-              <a:latin typeface="Adobe Devanagari" panose="02040503050201020203" pitchFamily="18" charset="0"/>
-              <a:cs typeface="Adobe Devanagari" panose="02040503050201020203" pitchFamily="18" charset="0"/>
-            </a:endParaRPr>
-          </a:p>
-          <a:p>
-            <a:endParaRPr lang="en-GB" sz="2400" dirty="0">
-              <a:latin typeface="Adobe Devanagari" panose="02040503050201020203" pitchFamily="18" charset="0"/>
-              <a:cs typeface="Adobe Devanagari" panose="02040503050201020203" pitchFamily="18" charset="0"/>
-            </a:endParaRPr>
-          </a:p>
-          <a:p>
-            <a:endParaRPr lang="en-GB" sz="2400" dirty="0">
-              <a:latin typeface="Adobe Devanagari" panose="02040503050201020203" pitchFamily="18" charset="0"/>
-              <a:cs typeface="Adobe Devanagari" panose="02040503050201020203" pitchFamily="18" charset="0"/>
-            </a:endParaRPr>
-          </a:p>
         </p:txBody>
       </p:sp>
       <p:sp>
@@ -4812,7 +4800,7 @@
             <a:pPr algn="ctr"/>
             <a:r>
               <a:rPr lang="en-GB" dirty="0"/>
-              <a:t>Emotion Evoking Mechanic </a:t>
+              <a:t>Target Market</a:t>
             </a:r>
           </a:p>
         </p:txBody>
@@ -4820,7 +4808,7 @@
     </p:spTree>
     <p:extLst>
       <p:ext uri="{BB962C8B-B14F-4D97-AF65-F5344CB8AC3E}">
-        <p14:creationId xmlns:p14="http://schemas.microsoft.com/office/powerpoint/2010/main" val="3673539322"/>
+        <p14:creationId xmlns:p14="http://schemas.microsoft.com/office/powerpoint/2010/main" xmlns="" val="1220128702"/>
       </p:ext>
     </p:extLst>
   </p:cSld>
@@ -4865,47 +4853,117 @@
           <a:lstStyle/>
           <a:p>
             <a:r>
+              <a:rPr lang="en-GB" sz="2400" dirty="0">
+                <a:latin typeface="Adobe Devanagari" panose="02040503050201020203" pitchFamily="18" charset="0"/>
+                <a:cs typeface="Adobe Devanagari" panose="02040503050201020203" pitchFamily="18" charset="0"/>
+              </a:rPr>
+              <a:t>2 Player controlled entities, but only able to control </a:t>
+            </a:r>
+            <a:r>
               <a:rPr lang="en-GB" sz="2400" dirty="0" smtClean="0">
                 <a:latin typeface="Adobe Devanagari" panose="02040503050201020203" pitchFamily="18" charset="0"/>
                 <a:cs typeface="Adobe Devanagari" panose="02040503050201020203" pitchFamily="18" charset="0"/>
               </a:rPr>
-              <a:t>Males &amp; Females </a:t>
-            </a:r>
-          </a:p>
-          <a:p>
+              <a:t>one </a:t>
+            </a:r>
+            <a:r>
+              <a:rPr lang="en-GB" sz="2400" dirty="0">
+                <a:latin typeface="Adobe Devanagari" panose="02040503050201020203" pitchFamily="18" charset="0"/>
+                <a:cs typeface="Adobe Devanagari" panose="02040503050201020203" pitchFamily="18" charset="0"/>
+              </a:rPr>
+              <a:t>at a time</a:t>
+            </a:r>
+          </a:p>
+          <a:p>
+            <a:endParaRPr lang="en-GB" sz="2400" dirty="0">
+              <a:latin typeface="Adobe Devanagari" panose="02040503050201020203" pitchFamily="18" charset="0"/>
+              <a:cs typeface="Adobe Devanagari" panose="02040503050201020203" pitchFamily="18" charset="0"/>
+            </a:endParaRPr>
+          </a:p>
+          <a:p>
+            <a:r>
+              <a:rPr lang="en-GB" sz="2400" dirty="0">
+                <a:latin typeface="Adobe Devanagari" panose="02040503050201020203" pitchFamily="18" charset="0"/>
+                <a:cs typeface="Adobe Devanagari" panose="02040503050201020203" pitchFamily="18" charset="0"/>
+              </a:rPr>
+              <a:t>Each entity has a small field of </a:t>
+            </a:r>
+            <a:r>
+              <a:rPr lang="en-GB" sz="2400" dirty="0" smtClean="0">
+                <a:latin typeface="Adobe Devanagari" panose="02040503050201020203" pitchFamily="18" charset="0"/>
+                <a:cs typeface="Adobe Devanagari" panose="02040503050201020203" pitchFamily="18" charset="0"/>
+              </a:rPr>
+              <a:t>view of the enviroment. </a:t>
+            </a:r>
+            <a:endParaRPr lang="en-GB" sz="2400" dirty="0">
+              <a:latin typeface="Adobe Devanagari" panose="02040503050201020203" pitchFamily="18" charset="0"/>
+              <a:cs typeface="Adobe Devanagari" panose="02040503050201020203" pitchFamily="18" charset="0"/>
+            </a:endParaRPr>
+          </a:p>
+          <a:p>
+            <a:endParaRPr lang="en-GB" sz="2400" dirty="0">
+              <a:latin typeface="Adobe Devanagari" panose="02040503050201020203" pitchFamily="18" charset="0"/>
+              <a:cs typeface="Adobe Devanagari" panose="02040503050201020203" pitchFamily="18" charset="0"/>
+            </a:endParaRPr>
+          </a:p>
+          <a:p>
+            <a:r>
+              <a:rPr lang="en-GB" sz="2400" dirty="0">
+                <a:latin typeface="Adobe Devanagari" panose="02040503050201020203" pitchFamily="18" charset="0"/>
+                <a:cs typeface="Adobe Devanagari" panose="02040503050201020203" pitchFamily="18" charset="0"/>
+              </a:rPr>
+              <a:t>Must use both entities to complete </a:t>
+            </a:r>
+            <a:r>
+              <a:rPr lang="en-GB" sz="2400" dirty="0" smtClean="0">
+                <a:latin typeface="Adobe Devanagari" panose="02040503050201020203" pitchFamily="18" charset="0"/>
+                <a:cs typeface="Adobe Devanagari" panose="02040503050201020203" pitchFamily="18" charset="0"/>
+              </a:rPr>
+              <a:t>puzzles as each entity has specific assets it can interact with.</a:t>
+            </a:r>
             <a:endParaRPr lang="en-GB" sz="2400" dirty="0" smtClean="0">
               <a:latin typeface="Adobe Devanagari" panose="02040503050201020203" pitchFamily="18" charset="0"/>
               <a:cs typeface="Adobe Devanagari" panose="02040503050201020203" pitchFamily="18" charset="0"/>
             </a:endParaRPr>
           </a:p>
           <a:p>
+            <a:endParaRPr lang="en-GB" sz="2400" dirty="0">
+              <a:latin typeface="Adobe Devanagari" panose="02040503050201020203" pitchFamily="18" charset="0"/>
+              <a:cs typeface="Adobe Devanagari" panose="02040503050201020203" pitchFamily="18" charset="0"/>
+            </a:endParaRPr>
+          </a:p>
+          <a:p>
             <a:r>
               <a:rPr lang="en-GB" sz="2400" dirty="0" smtClean="0">
                 <a:latin typeface="Adobe Devanagari" panose="02040503050201020203" pitchFamily="18" charset="0"/>
                 <a:cs typeface="Adobe Devanagari" panose="02040503050201020203" pitchFamily="18" charset="0"/>
               </a:rPr>
-              <a:t>Aged 18-28</a:t>
-            </a:r>
-          </a:p>
-          <a:p>
-            <a:endParaRPr lang="en-GB" sz="2400" dirty="0" smtClean="0">
-              <a:latin typeface="Adobe Devanagari" panose="02040503050201020203" pitchFamily="18" charset="0"/>
-              <a:cs typeface="Adobe Devanagari" panose="02040503050201020203" pitchFamily="18" charset="0"/>
-            </a:endParaRPr>
-          </a:p>
-          <a:p>
+              <a:t>The player will be given two reward choices however they can only </a:t>
+            </a:r>
             <a:r>
               <a:rPr lang="en-GB" sz="2400" dirty="0" smtClean="0">
                 <a:latin typeface="Adobe Devanagari" panose="02040503050201020203" pitchFamily="18" charset="0"/>
                 <a:cs typeface="Adobe Devanagari" panose="02040503050201020203" pitchFamily="18" charset="0"/>
               </a:rPr>
-              <a:t>Player type: Achievers</a:t>
+              <a:t>chose one. </a:t>
             </a:r>
             <a:endParaRPr lang="en-GB" sz="2400" dirty="0">
               <a:latin typeface="Adobe Devanagari" panose="02040503050201020203" pitchFamily="18" charset="0"/>
               <a:cs typeface="Adobe Devanagari" panose="02040503050201020203" pitchFamily="18" charset="0"/>
             </a:endParaRPr>
           </a:p>
+          <a:p>
+            <a:endParaRPr lang="en-GB" sz="2400" dirty="0">
+              <a:latin typeface="Adobe Devanagari" panose="02040503050201020203" pitchFamily="18" charset="0"/>
+              <a:cs typeface="Adobe Devanagari" panose="02040503050201020203" pitchFamily="18" charset="0"/>
+            </a:endParaRPr>
+          </a:p>
+          <a:p>
+            <a:endParaRPr lang="en-GB" sz="2400" dirty="0">
+              <a:latin typeface="Adobe Devanagari" panose="02040503050201020203" pitchFamily="18" charset="0"/>
+              <a:cs typeface="Adobe Devanagari" panose="02040503050201020203" pitchFamily="18" charset="0"/>
+            </a:endParaRPr>
+          </a:p>
         </p:txBody>
       </p:sp>
       <p:sp>
@@ -4926,7 +4984,7 @@
             <a:pPr algn="ctr"/>
             <a:r>
               <a:rPr lang="en-GB" dirty="0"/>
-              <a:t>Target Market</a:t>
+              <a:t>Emotion Evoking Mechanic </a:t>
             </a:r>
           </a:p>
         </p:txBody>
@@ -4934,7 +4992,7 @@
     </p:spTree>
     <p:extLst>
       <p:ext uri="{BB962C8B-B14F-4D97-AF65-F5344CB8AC3E}">
-        <p14:creationId xmlns:p14="http://schemas.microsoft.com/office/powerpoint/2010/main" val="1220128702"/>
+        <p14:creationId xmlns:p14="http://schemas.microsoft.com/office/powerpoint/2010/main" xmlns="" val="3673539322"/>
       </p:ext>
     </p:extLst>
   </p:cSld>
@@ -4979,36 +5037,35 @@
           <a:lstStyle/>
           <a:p>
             <a:r>
+              <a:rPr lang="en-GB" sz="2400" dirty="0" smtClean="0">
+                <a:latin typeface="Adobe Devanagari" panose="02040503050201020203" pitchFamily="18" charset="0"/>
+                <a:cs typeface="Adobe Devanagari" panose="02040503050201020203" pitchFamily="18" charset="0"/>
+              </a:rPr>
+              <a:t>Complete </a:t>
+            </a:r>
+            <a:r>
               <a:rPr lang="en-GB" sz="2400" dirty="0">
                 <a:latin typeface="Adobe Devanagari" panose="02040503050201020203" pitchFamily="18" charset="0"/>
                 <a:cs typeface="Adobe Devanagari" panose="02040503050201020203" pitchFamily="18" charset="0"/>
               </a:rPr>
-              <a:t>Compete puzzles to progress through level</a:t>
-            </a:r>
-          </a:p>
-          <a:p>
-            <a:endParaRPr lang="en-GB" sz="2400" dirty="0" smtClean="0">
-              <a:latin typeface="Adobe Devanagari" panose="02040503050201020203" pitchFamily="18" charset="0"/>
-              <a:cs typeface="Adobe Devanagari" panose="02040503050201020203" pitchFamily="18" charset="0"/>
-            </a:endParaRPr>
-          </a:p>
-          <a:p>
+              <a:t>puzzles to progress through </a:t>
+            </a:r>
             <a:r>
               <a:rPr lang="en-GB" sz="2400" dirty="0" smtClean="0">
                 <a:latin typeface="Adobe Devanagari" panose="02040503050201020203" pitchFamily="18" charset="0"/>
                 <a:cs typeface="Adobe Devanagari" panose="02040503050201020203" pitchFamily="18" charset="0"/>
               </a:rPr>
-              <a:t>Learn</a:t>
-            </a:r>
-            <a:r>
-              <a:rPr lang="en-GB" sz="2400" dirty="0">
-                <a:latin typeface="Adobe Devanagari" panose="02040503050201020203" pitchFamily="18" charset="0"/>
-                <a:cs typeface="Adobe Devanagari" panose="02040503050201020203" pitchFamily="18" charset="0"/>
-              </a:rPr>
-              <a:t>, Practise, Master loop</a:t>
-            </a:r>
-          </a:p>
-          <a:p>
+              <a:t>levels</a:t>
+            </a:r>
+            <a:endParaRPr lang="en-GB" sz="2400" dirty="0">
+              <a:latin typeface="Adobe Devanagari" panose="02040503050201020203" pitchFamily="18" charset="0"/>
+              <a:cs typeface="Adobe Devanagari" panose="02040503050201020203" pitchFamily="18" charset="0"/>
+            </a:endParaRPr>
+          </a:p>
+          <a:p>
+            <a:pPr>
+              <a:buNone/>
+            </a:pPr>
             <a:endParaRPr lang="en-GB" sz="2400" dirty="0" smtClean="0">
               <a:latin typeface="Adobe Devanagari" panose="02040503050201020203" pitchFamily="18" charset="0"/>
               <a:cs typeface="Adobe Devanagari" panose="02040503050201020203" pitchFamily="18" charset="0"/>
@@ -5027,8 +5084,47 @@
                 <a:latin typeface="Adobe Devanagari" panose="02040503050201020203" pitchFamily="18" charset="0"/>
                 <a:cs typeface="Adobe Devanagari" panose="02040503050201020203" pitchFamily="18" charset="0"/>
               </a:rPr>
-              <a:t>with a simple lever to open door</a:t>
-            </a:r>
+              <a:t>with a simple </a:t>
+            </a:r>
+            <a:r>
+              <a:rPr lang="en-GB" sz="2400" dirty="0" smtClean="0">
+                <a:latin typeface="Adobe Devanagari" panose="02040503050201020203" pitchFamily="18" charset="0"/>
+                <a:cs typeface="Adobe Devanagari" panose="02040503050201020203" pitchFamily="18" charset="0"/>
+              </a:rPr>
+              <a:t>switch to </a:t>
+            </a:r>
+            <a:r>
+              <a:rPr lang="en-GB" sz="2400" dirty="0">
+                <a:latin typeface="Adobe Devanagari" panose="02040503050201020203" pitchFamily="18" charset="0"/>
+                <a:cs typeface="Adobe Devanagari" panose="02040503050201020203" pitchFamily="18" charset="0"/>
+              </a:rPr>
+              <a:t>open </a:t>
+            </a:r>
+            <a:r>
+              <a:rPr lang="en-GB" sz="2400" dirty="0" smtClean="0">
+                <a:latin typeface="Adobe Devanagari" panose="02040503050201020203" pitchFamily="18" charset="0"/>
+                <a:cs typeface="Adobe Devanagari" panose="02040503050201020203" pitchFamily="18" charset="0"/>
+              </a:rPr>
+              <a:t>a door. </a:t>
+            </a:r>
+            <a:r>
+              <a:rPr lang="en-GB" sz="2400" dirty="0" smtClean="0">
+                <a:latin typeface="Adobe Devanagari" panose="02040503050201020203" pitchFamily="18" charset="0"/>
+                <a:cs typeface="Adobe Devanagari" panose="02040503050201020203" pitchFamily="18" charset="0"/>
+              </a:rPr>
+              <a:t>As levels pass on t</a:t>
+            </a:r>
+            <a:r>
+              <a:rPr lang="en-GB" sz="2400" dirty="0" smtClean="0">
+                <a:latin typeface="Adobe Devanagari" panose="02040503050201020203" pitchFamily="18" charset="0"/>
+                <a:cs typeface="Adobe Devanagari" panose="02040503050201020203" pitchFamily="18" charset="0"/>
+              </a:rPr>
+              <a:t>his increases to combinations of switches. </a:t>
+            </a:r>
+            <a:endParaRPr lang="en-GB" sz="2400" dirty="0">
+              <a:latin typeface="Adobe Devanagari" panose="02040503050201020203" pitchFamily="18" charset="0"/>
+              <a:cs typeface="Adobe Devanagari" panose="02040503050201020203" pitchFamily="18" charset="0"/>
+            </a:endParaRPr>
           </a:p>
           <a:p>
             <a:endParaRPr lang="en-GB" sz="2400" dirty="0" smtClean="0">
@@ -5049,8 +5145,68 @@
                 <a:latin typeface="Adobe Devanagari" panose="02040503050201020203" pitchFamily="18" charset="0"/>
                 <a:cs typeface="Adobe Devanagari" panose="02040503050201020203" pitchFamily="18" charset="0"/>
               </a:rPr>
-              <a:t>into perspective based levers (Levers and other items you can only see with a specific character)</a:t>
-            </a:r>
+              <a:t>into perspective based </a:t>
+            </a:r>
+            <a:r>
+              <a:rPr lang="en-GB" sz="2400" dirty="0" smtClean="0">
+                <a:latin typeface="Adobe Devanagari" panose="02040503050201020203" pitchFamily="18" charset="0"/>
+                <a:cs typeface="Adobe Devanagari" panose="02040503050201020203" pitchFamily="18" charset="0"/>
+              </a:rPr>
+              <a:t>switches </a:t>
+            </a:r>
+            <a:r>
+              <a:rPr lang="en-GB" sz="2400" dirty="0" smtClean="0">
+                <a:latin typeface="Adobe Devanagari" panose="02040503050201020203" pitchFamily="18" charset="0"/>
+                <a:cs typeface="Adobe Devanagari" panose="02040503050201020203" pitchFamily="18" charset="0"/>
+              </a:rPr>
+              <a:t>(Switches </a:t>
+            </a:r>
+            <a:r>
+              <a:rPr lang="en-GB" sz="2400" dirty="0" smtClean="0">
+                <a:latin typeface="Adobe Devanagari" panose="02040503050201020203" pitchFamily="18" charset="0"/>
+                <a:cs typeface="Adobe Devanagari" panose="02040503050201020203" pitchFamily="18" charset="0"/>
+              </a:rPr>
+              <a:t>and </a:t>
+            </a:r>
+            <a:r>
+              <a:rPr lang="en-GB" sz="2400" dirty="0">
+                <a:latin typeface="Adobe Devanagari" panose="02040503050201020203" pitchFamily="18" charset="0"/>
+                <a:cs typeface="Adobe Devanagari" panose="02040503050201020203" pitchFamily="18" charset="0"/>
+              </a:rPr>
+              <a:t>other items you can only see with a specific character</a:t>
+            </a:r>
+            <a:r>
+              <a:rPr lang="en-GB" sz="2400" dirty="0" smtClean="0">
+                <a:latin typeface="Adobe Devanagari" panose="02040503050201020203" pitchFamily="18" charset="0"/>
+                <a:cs typeface="Adobe Devanagari" panose="02040503050201020203" pitchFamily="18" charset="0"/>
+              </a:rPr>
+              <a:t>)</a:t>
+            </a:r>
+          </a:p>
+          <a:p>
+            <a:endParaRPr lang="en-GB" sz="2400" dirty="0" smtClean="0">
+              <a:latin typeface="Adobe Devanagari" panose="02040503050201020203" pitchFamily="18" charset="0"/>
+              <a:cs typeface="Adobe Devanagari" panose="02040503050201020203" pitchFamily="18" charset="0"/>
+            </a:endParaRPr>
+          </a:p>
+          <a:p>
+            <a:r>
+              <a:rPr lang="en-GB" sz="2400" dirty="0" smtClean="0">
+                <a:latin typeface="Adobe Devanagari" panose="02040503050201020203" pitchFamily="18" charset="0"/>
+                <a:cs typeface="Adobe Devanagari" panose="02040503050201020203" pitchFamily="18" charset="0"/>
+              </a:rPr>
+              <a:t>At the end of each level the player chooses which entity to move on. </a:t>
+            </a:r>
+            <a:endParaRPr lang="en-GB" sz="2400" dirty="0" smtClean="0">
+              <a:latin typeface="Adobe Devanagari" panose="02040503050201020203" pitchFamily="18" charset="0"/>
+              <a:cs typeface="Adobe Devanagari" panose="02040503050201020203" pitchFamily="18" charset="0"/>
+            </a:endParaRPr>
+          </a:p>
+          <a:p>
+            <a:endParaRPr lang="en-GB" sz="2400" dirty="0">
+              <a:latin typeface="Adobe Devanagari" panose="02040503050201020203" pitchFamily="18" charset="0"/>
+              <a:cs typeface="Adobe Devanagari" panose="02040503050201020203" pitchFamily="18" charset="0"/>
+            </a:endParaRPr>
           </a:p>
         </p:txBody>
       </p:sp>
@@ -5080,7 +5236,7 @@
     </p:spTree>
     <p:extLst>
       <p:ext uri="{BB962C8B-B14F-4D97-AF65-F5344CB8AC3E}">
-        <p14:creationId xmlns:p14="http://schemas.microsoft.com/office/powerpoint/2010/main" val="4154403138"/>
+        <p14:creationId xmlns:p14="http://schemas.microsoft.com/office/powerpoint/2010/main" xmlns="" val="4154403138"/>
       </p:ext>
     </p:extLst>
   </p:cSld>
@@ -5124,86 +5280,113 @@
           </a:bodyPr>
           <a:lstStyle/>
           <a:p>
-            <a:r>
-              <a:rPr lang="en-GB" sz="2400" dirty="0">
+            <a:pPr>
+              <a:buNone/>
+            </a:pPr>
+            <a:r>
+              <a:rPr lang="en-GB" sz="2400" b="1" dirty="0" smtClean="0">
                 <a:latin typeface="Adobe Devanagari" panose="02040503050201020203" pitchFamily="18" charset="0"/>
                 <a:cs typeface="Adobe Devanagari" panose="02040503050201020203" pitchFamily="18" charset="0"/>
               </a:rPr>
-              <a:t>5 Levels</a:t>
-            </a:r>
-          </a:p>
-          <a:p>
+              <a:t>Scope:</a:t>
+            </a:r>
+          </a:p>
+          <a:p>
+            <a:r>
+              <a:rPr lang="en-GB" sz="2400" dirty="0" smtClean="0">
+                <a:latin typeface="Adobe Devanagari" panose="02040503050201020203" pitchFamily="18" charset="0"/>
+                <a:cs typeface="Adobe Devanagari" panose="02040503050201020203" pitchFamily="18" charset="0"/>
+              </a:rPr>
+              <a:t>2.5D perspective .</a:t>
+            </a:r>
+          </a:p>
+          <a:p>
+            <a:r>
+              <a:rPr lang="en-GB" sz="2400" dirty="0" smtClean="0">
+                <a:latin typeface="Adobe Devanagari" panose="02040503050201020203" pitchFamily="18" charset="0"/>
+                <a:cs typeface="Adobe Devanagari" panose="02040503050201020203" pitchFamily="18" charset="0"/>
+              </a:rPr>
+              <a:t>5 Levels of increasing difficulty</a:t>
+            </a:r>
+            <a:r>
+              <a:rPr lang="en-GB" sz="2400" dirty="0" smtClean="0">
+                <a:latin typeface="Adobe Devanagari" panose="02040503050201020203" pitchFamily="18" charset="0"/>
+                <a:cs typeface="Adobe Devanagari" panose="02040503050201020203" pitchFamily="18" charset="0"/>
+              </a:rPr>
+              <a:t>.</a:t>
+            </a:r>
+          </a:p>
+          <a:p>
+            <a:r>
+              <a:rPr lang="en-GB" sz="2400" dirty="0" smtClean="0">
+                <a:latin typeface="Adobe Devanagari" panose="02040503050201020203" pitchFamily="18" charset="0"/>
+                <a:cs typeface="Adobe Devanagari" panose="02040503050201020203" pitchFamily="18" charset="0"/>
+              </a:rPr>
+              <a:t>3 Base mechanics</a:t>
+            </a:r>
             <a:endParaRPr lang="en-GB" sz="2400" dirty="0" smtClean="0">
               <a:latin typeface="Adobe Devanagari" panose="02040503050201020203" pitchFamily="18" charset="0"/>
               <a:cs typeface="Adobe Devanagari" panose="02040503050201020203" pitchFamily="18" charset="0"/>
             </a:endParaRPr>
           </a:p>
           <a:p>
+            <a:endParaRPr lang="en-GB" sz="2400" dirty="0" smtClean="0">
+              <a:latin typeface="Adobe Devanagari" panose="02040503050201020203" pitchFamily="18" charset="0"/>
+              <a:cs typeface="Adobe Devanagari" panose="02040503050201020203" pitchFamily="18" charset="0"/>
+            </a:endParaRPr>
+          </a:p>
+          <a:p>
+            <a:pPr>
+              <a:buNone/>
+            </a:pPr>
+            <a:r>
+              <a:rPr lang="en-GB" sz="2400" b="1" dirty="0" smtClean="0">
+                <a:latin typeface="Adobe Devanagari" panose="02040503050201020203" pitchFamily="18" charset="0"/>
+                <a:cs typeface="Adobe Devanagari" panose="02040503050201020203" pitchFamily="18" charset="0"/>
+              </a:rPr>
+              <a:t>Stretch Goals:</a:t>
+            </a:r>
+          </a:p>
+          <a:p>
             <a:r>
               <a:rPr lang="en-GB" sz="2400" dirty="0" smtClean="0">
                 <a:latin typeface="Adobe Devanagari" panose="02040503050201020203" pitchFamily="18" charset="0"/>
                 <a:cs typeface="Adobe Devanagari" panose="02040503050201020203" pitchFamily="18" charset="0"/>
               </a:rPr>
-              <a:t>L1 </a:t>
-            </a:r>
-            <a:r>
-              <a:rPr lang="en-GB" sz="2400" dirty="0">
+              <a:t>Addtional levels</a:t>
+            </a:r>
+          </a:p>
+          <a:p>
+            <a:r>
+              <a:rPr lang="en-GB" sz="2400" dirty="0" smtClean="0">
                 <a:latin typeface="Adobe Devanagari" panose="02040503050201020203" pitchFamily="18" charset="0"/>
                 <a:cs typeface="Adobe Devanagari" panose="02040503050201020203" pitchFamily="18" charset="0"/>
               </a:rPr>
-              <a:t>learn base interaction</a:t>
-            </a:r>
-          </a:p>
-          <a:p>
+              <a:t>More mechanics</a:t>
+            </a:r>
+          </a:p>
+          <a:p>
+            <a:pPr>
+              <a:buNone/>
+            </a:pPr>
             <a:endParaRPr lang="en-GB" sz="2400" dirty="0" smtClean="0">
               <a:latin typeface="Adobe Devanagari" panose="02040503050201020203" pitchFamily="18" charset="0"/>
               <a:cs typeface="Adobe Devanagari" panose="02040503050201020203" pitchFamily="18" charset="0"/>
             </a:endParaRPr>
           </a:p>
           <a:p>
-            <a:r>
-              <a:rPr lang="en-GB" sz="2400" dirty="0" smtClean="0">
-                <a:latin typeface="Adobe Devanagari" panose="02040503050201020203" pitchFamily="18" charset="0"/>
-                <a:cs typeface="Adobe Devanagari" panose="02040503050201020203" pitchFamily="18" charset="0"/>
-              </a:rPr>
-              <a:t>L2-3 </a:t>
-            </a:r>
-            <a:r>
-              <a:rPr lang="en-GB" sz="2400" dirty="0">
-                <a:latin typeface="Adobe Devanagari" panose="02040503050201020203" pitchFamily="18" charset="0"/>
-                <a:cs typeface="Adobe Devanagari" panose="02040503050201020203" pitchFamily="18" charset="0"/>
-              </a:rPr>
-              <a:t>practise interaction starting to scale up</a:t>
-            </a:r>
-          </a:p>
-          <a:p>
             <a:endParaRPr lang="en-GB" sz="2400" dirty="0" smtClean="0">
               <a:latin typeface="Adobe Devanagari" panose="02040503050201020203" pitchFamily="18" charset="0"/>
               <a:cs typeface="Adobe Devanagari" panose="02040503050201020203" pitchFamily="18" charset="0"/>
             </a:endParaRPr>
           </a:p>
           <a:p>
-            <a:r>
-              <a:rPr lang="en-GB" sz="2400" dirty="0" smtClean="0">
-                <a:latin typeface="Adobe Devanagari" panose="02040503050201020203" pitchFamily="18" charset="0"/>
-                <a:cs typeface="Adobe Devanagari" panose="02040503050201020203" pitchFamily="18" charset="0"/>
-              </a:rPr>
-              <a:t>L4-5 </a:t>
-            </a:r>
-            <a:r>
-              <a:rPr lang="en-GB" sz="2400" dirty="0">
-                <a:latin typeface="Adobe Devanagari" panose="02040503050201020203" pitchFamily="18" charset="0"/>
-                <a:cs typeface="Adobe Devanagari" panose="02040503050201020203" pitchFamily="18" charset="0"/>
-              </a:rPr>
-              <a:t>more challenging levels with complex ordering of </a:t>
-            </a:r>
-            <a:r>
-              <a:rPr lang="en-GB" sz="2400" dirty="0" smtClean="0">
-                <a:latin typeface="Adobe Devanagari" panose="02040503050201020203" pitchFamily="18" charset="0"/>
-                <a:cs typeface="Adobe Devanagari" panose="02040503050201020203" pitchFamily="18" charset="0"/>
-              </a:rPr>
-              <a:t>intractable.</a:t>
-            </a:r>
+            <a:endParaRPr lang="en-GB" sz="2400" dirty="0" smtClean="0">
+              <a:latin typeface="Adobe Devanagari" panose="02040503050201020203" pitchFamily="18" charset="0"/>
+              <a:cs typeface="Adobe Devanagari" panose="02040503050201020203" pitchFamily="18" charset="0"/>
+            </a:endParaRPr>
+          </a:p>
+          <a:p>
             <a:endParaRPr lang="en-GB" sz="2400" dirty="0">
               <a:latin typeface="Adobe Devanagari" panose="02040503050201020203" pitchFamily="18" charset="0"/>
               <a:cs typeface="Adobe Devanagari" panose="02040503050201020203" pitchFamily="18" charset="0"/>
@@ -5235,15 +5418,20 @@
             <a:pPr algn="ctr"/>
             <a:r>
               <a:rPr lang="en-GB" dirty="0"/>
-              <a:t>Scope and Scale</a:t>
-            </a:r>
+              <a:t>Scope and </a:t>
+            </a:r>
+            <a:r>
+              <a:rPr lang="en-GB" dirty="0" smtClean="0"/>
+              <a:t>Stretch Goals</a:t>
+            </a:r>
+            <a:endParaRPr lang="en-GB" dirty="0"/>
           </a:p>
         </p:txBody>
       </p:sp>
     </p:spTree>
     <p:extLst>
       <p:ext uri="{BB962C8B-B14F-4D97-AF65-F5344CB8AC3E}">
-        <p14:creationId xmlns:p14="http://schemas.microsoft.com/office/powerpoint/2010/main" val="2210266450"/>
+        <p14:creationId xmlns:p14="http://schemas.microsoft.com/office/powerpoint/2010/main" xmlns="" val="2210266450"/>
       </p:ext>
     </p:extLst>
   </p:cSld>
@@ -5428,7 +5616,7 @@
     </p:spTree>
     <p:extLst>
       <p:ext uri="{BB962C8B-B14F-4D97-AF65-F5344CB8AC3E}">
-        <p14:creationId xmlns:p14="http://schemas.microsoft.com/office/powerpoint/2010/main" val="1800460598"/>
+        <p14:creationId xmlns:p14="http://schemas.microsoft.com/office/powerpoint/2010/main" xmlns="" val="1800460598"/>
       </p:ext>
     </p:extLst>
   </p:cSld>
